--- a/INFM600_0201_Fabulous_Presentation/INFM600_0201_Fabulous_ProjetPresentation.pptx
+++ b/INFM600_0201_Fabulous_Presentation/INFM600_0201_Fabulous_ProjetPresentation.pptx
@@ -801,8 +801,8 @@
         </p:nvSpPr>
         <p:spPr>
           <a:xfrm>
-            <a:off x="1143225" y="685800"/>
-            <a:ext cx="4572225" cy="3429000"/>
+            <a:off x="381000" y="685800"/>
+            <a:ext cx="6096000" cy="3429000"/>
           </a:xfrm>
           <a:custGeom>
             <a:avLst/>
@@ -1021,8 +1021,8 @@
         </p:nvSpPr>
         <p:spPr>
           <a:xfrm>
-            <a:off x="1143225" y="685800"/>
-            <a:ext cx="4572225" cy="3429000"/>
+            <a:off x="381000" y="685800"/>
+            <a:ext cx="6096000" cy="3429000"/>
           </a:xfrm>
           <a:custGeom>
             <a:avLst/>
@@ -22638,6 +22638,37 @@
               <a:cs typeface="Century Gothic"/>
               <a:sym typeface="Century Gothic"/>
             </a:endParaRPr>
+          </a:p>
+        </p:txBody>
+      </p:sp>
+      <p:sp>
+        <p:nvSpPr>
+          <p:cNvPr id="4" name="TextBox 3"/>
+          <p:cNvSpPr txBox="1"/>
+          <p:nvPr/>
+        </p:nvSpPr>
+        <p:spPr>
+          <a:xfrm>
+            <a:off x="3920253" y="5845398"/>
+            <a:ext cx="1744110" cy="261610"/>
+          </a:xfrm>
+          <a:prstGeom prst="rect">
+            <a:avLst/>
+          </a:prstGeom>
+          <a:solidFill>
+            <a:srgbClr val="ACD0EE"/>
+          </a:solidFill>
+        </p:spPr>
+        <p:txBody>
+          <a:bodyPr wrap="square" rtlCol="0">
+            <a:spAutoFit/>
+          </a:bodyPr>
+          <a:lstStyle/>
+          <a:p>
+            <a:r>
+              <a:rPr lang="en-US" sz="1100" b="1" dirty="0"/>
+              <a:t>Dew_point</a:t>
+            </a:r>
           </a:p>
         </p:txBody>
       </p:sp>
@@ -25024,33 +25055,6 @@
           </a:graphicData>
         </a:graphic>
       </p:graphicFrame>
-      <p:pic>
-        <p:nvPicPr>
-          <p:cNvPr id="239" name="Shape 239"/>
-          <p:cNvPicPr preferRelativeResize="0"/>
-          <p:nvPr/>
-        </p:nvPicPr>
-        <p:blipFill rotWithShape="1">
-          <a:blip r:embed="rId3">
-            <a:alphaModFix/>
-          </a:blip>
-          <a:srcRect t="91" r="13691" b="5004"/>
-          <a:stretch/>
-        </p:blipFill>
-        <p:spPr>
-          <a:xfrm>
-            <a:off x="5329375" y="1779575"/>
-            <a:ext cx="6576900" cy="4662600"/>
-          </a:xfrm>
-          <a:prstGeom prst="rect">
-            <a:avLst/>
-          </a:prstGeom>
-          <a:noFill/>
-          <a:ln>
-            <a:noFill/>
-          </a:ln>
-        </p:spPr>
-      </p:pic>
       <p:sp>
         <p:nvSpPr>
           <p:cNvPr id="240" name="Shape 240"/>
@@ -25098,6 +25102,79 @@
           </a:p>
         </p:txBody>
       </p:sp>
+      <p:grpSp>
+        <p:nvGrpSpPr>
+          <p:cNvPr id="3" name="Group 2"/>
+          <p:cNvGrpSpPr/>
+          <p:nvPr/>
+        </p:nvGrpSpPr>
+        <p:grpSpPr>
+          <a:xfrm>
+            <a:off x="5329383" y="1768148"/>
+            <a:ext cx="6576900" cy="4662600"/>
+            <a:chOff x="5329383" y="1768148"/>
+            <a:chExt cx="6576900" cy="4662600"/>
+          </a:xfrm>
+        </p:grpSpPr>
+        <p:pic>
+          <p:nvPicPr>
+            <p:cNvPr id="239" name="Shape 239"/>
+            <p:cNvPicPr preferRelativeResize="0"/>
+            <p:nvPr/>
+          </p:nvPicPr>
+          <p:blipFill rotWithShape="1">
+            <a:blip r:embed="rId3">
+              <a:alphaModFix/>
+            </a:blip>
+            <a:srcRect t="91" r="13691" b="5004"/>
+            <a:stretch/>
+          </p:blipFill>
+          <p:spPr>
+            <a:xfrm>
+              <a:off x="5329383" y="1768148"/>
+              <a:ext cx="6576900" cy="4662600"/>
+            </a:xfrm>
+            <a:prstGeom prst="rect">
+              <a:avLst/>
+            </a:prstGeom>
+            <a:noFill/>
+            <a:ln>
+              <a:noFill/>
+            </a:ln>
+          </p:spPr>
+        </p:pic>
+        <p:sp>
+          <p:nvSpPr>
+            <p:cNvPr id="2" name="TextBox 1"/>
+            <p:cNvSpPr txBox="1"/>
+            <p:nvPr/>
+          </p:nvSpPr>
+          <p:spPr>
+            <a:xfrm>
+              <a:off x="8306723" y="6105914"/>
+              <a:ext cx="1744110" cy="261610"/>
+            </a:xfrm>
+            <a:prstGeom prst="rect">
+              <a:avLst/>
+            </a:prstGeom>
+            <a:solidFill>
+              <a:srgbClr val="ACD0EE"/>
+            </a:solidFill>
+          </p:spPr>
+          <p:txBody>
+            <a:bodyPr wrap="square" rtlCol="0">
+              <a:spAutoFit/>
+            </a:bodyPr>
+            <a:lstStyle/>
+            <a:p>
+              <a:r>
+                <a:rPr lang="en-US" sz="1100" b="1" dirty="0"/>
+                <a:t>distance</a:t>
+              </a:r>
+            </a:p>
+          </p:txBody>
+        </p:sp>
+      </p:grpSp>
     </p:spTree>
   </p:cSld>
   <p:clrMapOvr>

--- a/INFM600_0201_Fabulous_Presentation/INFM600_0201_Fabulous_ProjetPresentation.pptx
+++ b/INFM600_0201_Fabulous_Presentation/INFM600_0201_Fabulous_ProjetPresentation.pptx
@@ -911,8 +911,8 @@
         </p:nvSpPr>
         <p:spPr>
           <a:xfrm>
-            <a:off x="1143225" y="685800"/>
-            <a:ext cx="4572225" cy="3429000"/>
+            <a:off x="381000" y="685800"/>
+            <a:ext cx="6096000" cy="3429000"/>
           </a:xfrm>
           <a:custGeom>
             <a:avLst/>
@@ -22812,20 +22812,7 @@
             </a:r>
           </a:p>
           <a:p>
-            <a:pPr marL="742950" marR="0" lvl="1" indent="-285750" algn="l" rtl="0">
-              <a:spcBef>
-                <a:spcPts val="1000"/>
-              </a:spcBef>
-              <a:spcAft>
-                <a:spcPts val="0"/>
-              </a:spcAft>
-              <a:buClr>
-                <a:srgbClr val="86D1D8"/>
-              </a:buClr>
-              <a:buSzPct val="79999"/>
-              <a:buFont typeface="Noto Sans Symbols"/>
-              <a:buChar char="▶"/>
-            </a:pPr>
+            <a:pPr lvl="1" indent="-285750"/>
             <a:r>
               <a:rPr lang="en-US" sz="1800" b="0" i="0" u="none" strike="noStrike" cap="none" dirty="0">
                 <a:solidFill>
@@ -22836,7 +22823,42 @@
                 <a:cs typeface="Century Gothic"/>
                 <a:sym typeface="Century Gothic"/>
               </a:rPr>
-              <a:t>IV – Ride Count</a:t>
+              <a:t>IV – </a:t>
+            </a:r>
+            <a:r>
+              <a:rPr lang="en-US" dirty="0"/>
+              <a:t>Ride Start Date</a:t>
+            </a:r>
+          </a:p>
+          <a:p>
+            <a:pPr lvl="1" indent="-285750"/>
+            <a:r>
+              <a:rPr lang="en-US" sz="1800" b="0" i="0" u="none" strike="noStrike" cap="none" dirty="0" smtClean="0">
+                <a:solidFill>
+                  <a:schemeClr val="lt1"/>
+                </a:solidFill>
+                <a:latin typeface="Century Gothic"/>
+                <a:ea typeface="Century Gothic"/>
+                <a:cs typeface="Century Gothic"/>
+                <a:sym typeface="Century Gothic"/>
+              </a:rPr>
+              <a:t>DV </a:t>
+            </a:r>
+            <a:r>
+              <a:rPr lang="en-US" sz="1800" b="0" i="0" u="none" strike="noStrike" cap="none" dirty="0">
+                <a:solidFill>
+                  <a:schemeClr val="lt1"/>
+                </a:solidFill>
+                <a:latin typeface="Century Gothic"/>
+                <a:ea typeface="Century Gothic"/>
+                <a:cs typeface="Century Gothic"/>
+                <a:sym typeface="Century Gothic"/>
+              </a:rPr>
+              <a:t>– </a:t>
+            </a:r>
+            <a:r>
+              <a:rPr lang="en-US" dirty="0"/>
+              <a:t>Ride Count</a:t>
             </a:r>
           </a:p>
           <a:p>
@@ -22853,34 +22875,6 @@
               <a:buSzPct val="79999"/>
               <a:buFont typeface="Noto Sans Symbols"/>
               <a:buChar char="▶"/>
-            </a:pPr>
-            <a:r>
-              <a:rPr lang="en-US" sz="1800" b="0" i="0" u="none" strike="noStrike" cap="none" dirty="0">
-                <a:solidFill>
-                  <a:schemeClr val="lt1"/>
-                </a:solidFill>
-                <a:latin typeface="Century Gothic"/>
-                <a:ea typeface="Century Gothic"/>
-                <a:cs typeface="Century Gothic"/>
-                <a:sym typeface="Century Gothic"/>
-              </a:rPr>
-              <a:t>DV – Ride Start Date</a:t>
-            </a:r>
-          </a:p>
-          <a:p>
-            <a:pPr marL="742950" marR="0" lvl="1" indent="-285750" algn="l" rtl="0">
-              <a:spcBef>
-                <a:spcPts val="1000"/>
-              </a:spcBef>
-              <a:spcAft>
-                <a:spcPts val="0"/>
-              </a:spcAft>
-              <a:buClr>
-                <a:srgbClr val="86D1D8"/>
-              </a:buClr>
-              <a:buSzPct val="79999"/>
-              <a:buFont typeface="Noto Sans Symbols"/>
-              <a:buNone/>
             </a:pPr>
             <a:endParaRPr sz="1800" b="0" i="0" u="none" strike="noStrike" cap="none" dirty="0">
               <a:solidFill>
@@ -23116,28 +23110,28 @@
                 <a:gridCol w="1435900">
                   <a:extLst>
                     <a:ext uri="{9D8B030D-6E8A-4147-A177-3AD203B41FA5}">
-                      <a16:colId xmlns:a16="http://schemas.microsoft.com/office/drawing/2014/main" val="20000"/>
+                      <a16:colId xmlns:a16="http://schemas.microsoft.com/office/drawing/2014/main" xmlns="" val="20000"/>
                     </a:ext>
                   </a:extLst>
                 </a:gridCol>
                 <a:gridCol w="591375">
                   <a:extLst>
                     <a:ext uri="{9D8B030D-6E8A-4147-A177-3AD203B41FA5}">
-                      <a16:colId xmlns:a16="http://schemas.microsoft.com/office/drawing/2014/main" val="20001"/>
+                      <a16:colId xmlns:a16="http://schemas.microsoft.com/office/drawing/2014/main" xmlns="" val="20001"/>
                     </a:ext>
                   </a:extLst>
                 </a:gridCol>
                 <a:gridCol w="1143325">
                   <a:extLst>
                     <a:ext uri="{9D8B030D-6E8A-4147-A177-3AD203B41FA5}">
-                      <a16:colId xmlns:a16="http://schemas.microsoft.com/office/drawing/2014/main" val="20002"/>
+                      <a16:colId xmlns:a16="http://schemas.microsoft.com/office/drawing/2014/main" xmlns="" val="20002"/>
                     </a:ext>
                   </a:extLst>
                 </a:gridCol>
                 <a:gridCol w="1163225">
                   <a:extLst>
                     <a:ext uri="{9D8B030D-6E8A-4147-A177-3AD203B41FA5}">
-                      <a16:colId xmlns:a16="http://schemas.microsoft.com/office/drawing/2014/main" val="20003"/>
+                      <a16:colId xmlns:a16="http://schemas.microsoft.com/office/drawing/2014/main" xmlns="" val="20003"/>
                     </a:ext>
                   </a:extLst>
                 </a:gridCol>
@@ -23195,7 +23189,7 @@
                 </a:tc>
                 <a:extLst>
                   <a:ext uri="{0D108BD9-81ED-4DB2-BD59-A6C34878D82A}">
-                    <a16:rowId xmlns:a16="http://schemas.microsoft.com/office/drawing/2014/main" val="10000"/>
+                    <a16:rowId xmlns:a16="http://schemas.microsoft.com/office/drawing/2014/main" xmlns="" val="10000"/>
                   </a:ext>
                 </a:extLst>
               </a:tr>
@@ -23297,7 +23291,7 @@
                 </a:tc>
                 <a:extLst>
                   <a:ext uri="{0D108BD9-81ED-4DB2-BD59-A6C34878D82A}">
-                    <a16:rowId xmlns:a16="http://schemas.microsoft.com/office/drawing/2014/main" val="10001"/>
+                    <a16:rowId xmlns:a16="http://schemas.microsoft.com/office/drawing/2014/main" xmlns="" val="10001"/>
                   </a:ext>
                 </a:extLst>
               </a:tr>
@@ -23384,7 +23378,7 @@
                 </a:tc>
                 <a:extLst>
                   <a:ext uri="{0D108BD9-81ED-4DB2-BD59-A6C34878D82A}">
-                    <a16:rowId xmlns:a16="http://schemas.microsoft.com/office/drawing/2014/main" val="10002"/>
+                    <a16:rowId xmlns:a16="http://schemas.microsoft.com/office/drawing/2014/main" xmlns="" val="10002"/>
                   </a:ext>
                 </a:extLst>
               </a:tr>
@@ -23471,7 +23465,7 @@
                 </a:tc>
                 <a:extLst>
                   <a:ext uri="{0D108BD9-81ED-4DB2-BD59-A6C34878D82A}">
-                    <a16:rowId xmlns:a16="http://schemas.microsoft.com/office/drawing/2014/main" val="10003"/>
+                    <a16:rowId xmlns:a16="http://schemas.microsoft.com/office/drawing/2014/main" xmlns="" val="10003"/>
                   </a:ext>
                 </a:extLst>
               </a:tr>
@@ -23500,42 +23494,42 @@
                 <a:gridCol w="653650">
                   <a:extLst>
                     <a:ext uri="{9D8B030D-6E8A-4147-A177-3AD203B41FA5}">
-                      <a16:colId xmlns:a16="http://schemas.microsoft.com/office/drawing/2014/main" val="20000"/>
+                      <a16:colId xmlns:a16="http://schemas.microsoft.com/office/drawing/2014/main" xmlns="" val="20000"/>
                     </a:ext>
                   </a:extLst>
                 </a:gridCol>
                 <a:gridCol w="1176150">
                   <a:extLst>
                     <a:ext uri="{9D8B030D-6E8A-4147-A177-3AD203B41FA5}">
-                      <a16:colId xmlns:a16="http://schemas.microsoft.com/office/drawing/2014/main" val="20001"/>
+                      <a16:colId xmlns:a16="http://schemas.microsoft.com/office/drawing/2014/main" xmlns="" val="20001"/>
                     </a:ext>
                   </a:extLst>
                 </a:gridCol>
                 <a:gridCol w="308175">
                   <a:extLst>
                     <a:ext uri="{9D8B030D-6E8A-4147-A177-3AD203B41FA5}">
-                      <a16:colId xmlns:a16="http://schemas.microsoft.com/office/drawing/2014/main" val="20002"/>
+                      <a16:colId xmlns:a16="http://schemas.microsoft.com/office/drawing/2014/main" xmlns="" val="20002"/>
                     </a:ext>
                   </a:extLst>
                 </a:gridCol>
                 <a:gridCol w="971550">
                   <a:extLst>
                     <a:ext uri="{9D8B030D-6E8A-4147-A177-3AD203B41FA5}">
-                      <a16:colId xmlns:a16="http://schemas.microsoft.com/office/drawing/2014/main" val="20003"/>
+                      <a16:colId xmlns:a16="http://schemas.microsoft.com/office/drawing/2014/main" xmlns="" val="20003"/>
                     </a:ext>
                   </a:extLst>
                 </a:gridCol>
                 <a:gridCol w="717450">
                   <a:extLst>
                     <a:ext uri="{9D8B030D-6E8A-4147-A177-3AD203B41FA5}">
-                      <a16:colId xmlns:a16="http://schemas.microsoft.com/office/drawing/2014/main" val="20004"/>
+                      <a16:colId xmlns:a16="http://schemas.microsoft.com/office/drawing/2014/main" xmlns="" val="20004"/>
                     </a:ext>
                   </a:extLst>
                 </a:gridCol>
                 <a:gridCol w="548650">
                   <a:extLst>
                     <a:ext uri="{9D8B030D-6E8A-4147-A177-3AD203B41FA5}">
-                      <a16:colId xmlns:a16="http://schemas.microsoft.com/office/drawing/2014/main" val="20005"/>
+                      <a16:colId xmlns:a16="http://schemas.microsoft.com/office/drawing/2014/main" xmlns="" val="20005"/>
                     </a:ext>
                   </a:extLst>
                 </a:gridCol>
@@ -23613,7 +23607,7 @@
                 </a:tc>
                 <a:extLst>
                   <a:ext uri="{0D108BD9-81ED-4DB2-BD59-A6C34878D82A}">
-                    <a16:rowId xmlns:a16="http://schemas.microsoft.com/office/drawing/2014/main" val="10000"/>
+                    <a16:rowId xmlns:a16="http://schemas.microsoft.com/office/drawing/2014/main" xmlns="" val="10000"/>
                   </a:ext>
                 </a:extLst>
               </a:tr>
@@ -23765,7 +23759,7 @@
                 </a:tc>
                 <a:extLst>
                   <a:ext uri="{0D108BD9-81ED-4DB2-BD59-A6C34878D82A}">
-                    <a16:rowId xmlns:a16="http://schemas.microsoft.com/office/drawing/2014/main" val="10001"/>
+                    <a16:rowId xmlns:a16="http://schemas.microsoft.com/office/drawing/2014/main" xmlns="" val="10001"/>
                   </a:ext>
                 </a:extLst>
               </a:tr>
@@ -23892,7 +23886,7 @@
                 </a:tc>
                 <a:extLst>
                   <a:ext uri="{0D108BD9-81ED-4DB2-BD59-A6C34878D82A}">
-                    <a16:rowId xmlns:a16="http://schemas.microsoft.com/office/drawing/2014/main" val="10002"/>
+                    <a16:rowId xmlns:a16="http://schemas.microsoft.com/office/drawing/2014/main" xmlns="" val="10002"/>
                   </a:ext>
                 </a:extLst>
               </a:tr>
@@ -24019,7 +24013,7 @@
                 </a:tc>
                 <a:extLst>
                   <a:ext uri="{0D108BD9-81ED-4DB2-BD59-A6C34878D82A}">
-                    <a16:rowId xmlns:a16="http://schemas.microsoft.com/office/drawing/2014/main" val="10003"/>
+                    <a16:rowId xmlns:a16="http://schemas.microsoft.com/office/drawing/2014/main" xmlns="" val="10003"/>
                   </a:ext>
                 </a:extLst>
               </a:tr>
@@ -24214,20 +24208,7 @@
             </a:r>
           </a:p>
           <a:p>
-            <a:pPr marL="742950" marR="0" lvl="1" indent="-285750" algn="l" rtl="0">
-              <a:spcBef>
-                <a:spcPts val="1000"/>
-              </a:spcBef>
-              <a:spcAft>
-                <a:spcPts val="0"/>
-              </a:spcAft>
-              <a:buClr>
-                <a:srgbClr val="86D1D8"/>
-              </a:buClr>
-              <a:buSzPct val="79999"/>
-              <a:buFont typeface="Noto Sans Symbols"/>
-              <a:buChar char="▶"/>
-            </a:pPr>
+            <a:pPr lvl="1" indent="-285750"/>
             <a:r>
               <a:rPr lang="en-US" sz="1800" b="0" i="0" u="none" strike="noStrike" cap="none" dirty="0">
                 <a:solidFill>
@@ -24238,7 +24219,50 @@
                 <a:cs typeface="Century Gothic"/>
                 <a:sym typeface="Century Gothic"/>
               </a:rPr>
-              <a:t>IV – Ride Count</a:t>
+              <a:t>IV </a:t>
+            </a:r>
+            <a:r>
+              <a:rPr lang="en-US" dirty="0"/>
+              <a:t>– Linear distance between </a:t>
+            </a:r>
+            <a:br>
+              <a:rPr lang="en-US" dirty="0"/>
+            </a:br>
+            <a:r>
+              <a:rPr lang="en-US" dirty="0"/>
+              <a:t>stations</a:t>
+            </a:r>
+            <a:endParaRPr lang="en-US" sz="1800" b="0" i="0" u="none" strike="noStrike" cap="none" dirty="0">
+              <a:solidFill>
+                <a:schemeClr val="lt1"/>
+              </a:solidFill>
+              <a:latin typeface="Century Gothic"/>
+              <a:ea typeface="Century Gothic"/>
+              <a:cs typeface="Century Gothic"/>
+              <a:sym typeface="Century Gothic"/>
+            </a:endParaRPr>
+          </a:p>
+          <a:p>
+            <a:pPr lvl="1" indent="-285750"/>
+            <a:r>
+              <a:rPr lang="en-US" sz="1800" b="0" i="0" u="none" strike="noStrike" cap="none" dirty="0" smtClean="0">
+                <a:solidFill>
+                  <a:schemeClr val="lt1"/>
+                </a:solidFill>
+                <a:latin typeface="Century Gothic"/>
+                <a:ea typeface="Century Gothic"/>
+                <a:cs typeface="Century Gothic"/>
+                <a:sym typeface="Century Gothic"/>
+              </a:rPr>
+              <a:t>DV</a:t>
+            </a:r>
+            <a:r>
+              <a:rPr lang="en-US" dirty="0" smtClean="0"/>
+              <a:t>– </a:t>
+            </a:r>
+            <a:r>
+              <a:rPr lang="en-US" dirty="0"/>
+              <a:t>Ride Count</a:t>
             </a:r>
           </a:p>
           <a:p>
@@ -24256,41 +24280,15 @@
               <a:buFont typeface="Noto Sans Symbols"/>
               <a:buChar char="▶"/>
             </a:pPr>
-            <a:r>
-              <a:rPr lang="en-US" sz="1800" b="0" i="0" u="none" strike="noStrike" cap="none" dirty="0">
-                <a:solidFill>
-                  <a:schemeClr val="lt1"/>
-                </a:solidFill>
-                <a:latin typeface="Century Gothic"/>
-                <a:ea typeface="Century Gothic"/>
-                <a:cs typeface="Century Gothic"/>
-                <a:sym typeface="Century Gothic"/>
-              </a:rPr>
-              <a:t>DV – Linear distance between </a:t>
-            </a:r>
-            <a:br>
-              <a:rPr lang="en-US" sz="1800" b="0" i="0" u="none" strike="noStrike" cap="none" dirty="0">
-                <a:solidFill>
-                  <a:schemeClr val="lt1"/>
-                </a:solidFill>
-                <a:latin typeface="Century Gothic"/>
-                <a:ea typeface="Century Gothic"/>
-                <a:cs typeface="Century Gothic"/>
-                <a:sym typeface="Century Gothic"/>
-              </a:rPr>
-            </a:br>
-            <a:r>
-              <a:rPr lang="en-US" sz="1800" b="0" i="0" u="none" strike="noStrike" cap="none" dirty="0">
-                <a:solidFill>
-                  <a:schemeClr val="lt1"/>
-                </a:solidFill>
-                <a:latin typeface="Century Gothic"/>
-                <a:ea typeface="Century Gothic"/>
-                <a:cs typeface="Century Gothic"/>
-                <a:sym typeface="Century Gothic"/>
-              </a:rPr>
-              <a:t>stations</a:t>
-            </a:r>
+            <a:endParaRPr lang="en-US" sz="1800" b="0" i="0" u="none" strike="noStrike" cap="none" dirty="0">
+              <a:solidFill>
+                <a:schemeClr val="lt1"/>
+              </a:solidFill>
+              <a:latin typeface="Century Gothic"/>
+              <a:ea typeface="Century Gothic"/>
+              <a:cs typeface="Century Gothic"/>
+              <a:sym typeface="Century Gothic"/>
+            </a:endParaRPr>
           </a:p>
           <a:p>
             <a:pPr marL="742950" marR="0" lvl="1" indent="-285750" algn="l" rtl="0">
@@ -24340,28 +24338,28 @@
                 <a:gridCol w="1222575">
                   <a:extLst>
                     <a:ext uri="{9D8B030D-6E8A-4147-A177-3AD203B41FA5}">
-                      <a16:colId xmlns:a16="http://schemas.microsoft.com/office/drawing/2014/main" val="20000"/>
+                      <a16:colId xmlns:a16="http://schemas.microsoft.com/office/drawing/2014/main" xmlns="" val="20000"/>
                     </a:ext>
                   </a:extLst>
                 </a:gridCol>
                 <a:gridCol w="1222575">
                   <a:extLst>
                     <a:ext uri="{9D8B030D-6E8A-4147-A177-3AD203B41FA5}">
-                      <a16:colId xmlns:a16="http://schemas.microsoft.com/office/drawing/2014/main" val="20001"/>
+                      <a16:colId xmlns:a16="http://schemas.microsoft.com/office/drawing/2014/main" xmlns="" val="20001"/>
                     </a:ext>
                   </a:extLst>
                 </a:gridCol>
                 <a:gridCol w="937300">
                   <a:extLst>
                     <a:ext uri="{9D8B030D-6E8A-4147-A177-3AD203B41FA5}">
-                      <a16:colId xmlns:a16="http://schemas.microsoft.com/office/drawing/2014/main" val="20002"/>
+                      <a16:colId xmlns:a16="http://schemas.microsoft.com/office/drawing/2014/main" xmlns="" val="20002"/>
                     </a:ext>
                   </a:extLst>
                 </a:gridCol>
                 <a:gridCol w="937300">
                   <a:extLst>
                     <a:ext uri="{9D8B030D-6E8A-4147-A177-3AD203B41FA5}">
-                      <a16:colId xmlns:a16="http://schemas.microsoft.com/office/drawing/2014/main" val="20003"/>
+                      <a16:colId xmlns:a16="http://schemas.microsoft.com/office/drawing/2014/main" xmlns="" val="20003"/>
                     </a:ext>
                   </a:extLst>
                 </a:gridCol>
@@ -24419,7 +24417,7 @@
                 </a:tc>
                 <a:extLst>
                   <a:ext uri="{0D108BD9-81ED-4DB2-BD59-A6C34878D82A}">
-                    <a16:rowId xmlns:a16="http://schemas.microsoft.com/office/drawing/2014/main" val="10000"/>
+                    <a16:rowId xmlns:a16="http://schemas.microsoft.com/office/drawing/2014/main" xmlns="" val="10000"/>
                   </a:ext>
                 </a:extLst>
               </a:tr>
@@ -24496,7 +24494,7 @@
                 </a:tc>
                 <a:extLst>
                   <a:ext uri="{0D108BD9-81ED-4DB2-BD59-A6C34878D82A}">
-                    <a16:rowId xmlns:a16="http://schemas.microsoft.com/office/drawing/2014/main" val="10001"/>
+                    <a16:rowId xmlns:a16="http://schemas.microsoft.com/office/drawing/2014/main" xmlns="" val="10001"/>
                   </a:ext>
                 </a:extLst>
               </a:tr>
@@ -24587,7 +24585,7 @@
                 </a:tc>
                 <a:extLst>
                   <a:ext uri="{0D108BD9-81ED-4DB2-BD59-A6C34878D82A}">
-                    <a16:rowId xmlns:a16="http://schemas.microsoft.com/office/drawing/2014/main" val="10002"/>
+                    <a16:rowId xmlns:a16="http://schemas.microsoft.com/office/drawing/2014/main" xmlns="" val="10002"/>
                   </a:ext>
                 </a:extLst>
               </a:tr>
@@ -24664,7 +24662,7 @@
                 </a:tc>
                 <a:extLst>
                   <a:ext uri="{0D108BD9-81ED-4DB2-BD59-A6C34878D82A}">
-                    <a16:rowId xmlns:a16="http://schemas.microsoft.com/office/drawing/2014/main" val="10003"/>
+                    <a16:rowId xmlns:a16="http://schemas.microsoft.com/office/drawing/2014/main" xmlns="" val="10003"/>
                   </a:ext>
                 </a:extLst>
               </a:tr>
@@ -24741,7 +24739,7 @@
                 </a:tc>
                 <a:extLst>
                   <a:ext uri="{0D108BD9-81ED-4DB2-BD59-A6C34878D82A}">
-                    <a16:rowId xmlns:a16="http://schemas.microsoft.com/office/drawing/2014/main" val="10004"/>
+                    <a16:rowId xmlns:a16="http://schemas.microsoft.com/office/drawing/2014/main" xmlns="" val="10004"/>
                   </a:ext>
                 </a:extLst>
               </a:tr>
@@ -24832,7 +24830,7 @@
                 </a:tc>
                 <a:extLst>
                   <a:ext uri="{0D108BD9-81ED-4DB2-BD59-A6C34878D82A}">
-                    <a16:rowId xmlns:a16="http://schemas.microsoft.com/office/drawing/2014/main" val="10005"/>
+                    <a16:rowId xmlns:a16="http://schemas.microsoft.com/office/drawing/2014/main" xmlns="" val="10005"/>
                   </a:ext>
                 </a:extLst>
               </a:tr>
@@ -24909,7 +24907,7 @@
                 </a:tc>
                 <a:extLst>
                   <a:ext uri="{0D108BD9-81ED-4DB2-BD59-A6C34878D82A}">
-                    <a16:rowId xmlns:a16="http://schemas.microsoft.com/office/drawing/2014/main" val="10006"/>
+                    <a16:rowId xmlns:a16="http://schemas.microsoft.com/office/drawing/2014/main" xmlns="" val="10006"/>
                   </a:ext>
                 </a:extLst>
               </a:tr>
@@ -24986,7 +24984,7 @@
                 </a:tc>
                 <a:extLst>
                   <a:ext uri="{0D108BD9-81ED-4DB2-BD59-A6C34878D82A}">
-                    <a16:rowId xmlns:a16="http://schemas.microsoft.com/office/drawing/2014/main" val="10007"/>
+                    <a16:rowId xmlns:a16="http://schemas.microsoft.com/office/drawing/2014/main" xmlns="" val="10007"/>
                   </a:ext>
                 </a:extLst>
               </a:tr>
@@ -25047,7 +25045,7 @@
                 </a:tc>
                 <a:extLst>
                   <a:ext uri="{0D108BD9-81ED-4DB2-BD59-A6C34878D82A}">
-                    <a16:rowId xmlns:a16="http://schemas.microsoft.com/office/drawing/2014/main" val="10008"/>
+                    <a16:rowId xmlns:a16="http://schemas.microsoft.com/office/drawing/2014/main" xmlns="" val="10008"/>
                   </a:ext>
                 </a:extLst>
               </a:tr>
@@ -25728,77 +25726,77 @@
                 <a:gridCol w="891150">
                   <a:extLst>
                     <a:ext uri="{9D8B030D-6E8A-4147-A177-3AD203B41FA5}">
-                      <a16:colId xmlns:a16="http://schemas.microsoft.com/office/drawing/2014/main" val="20000"/>
+                      <a16:colId xmlns:a16="http://schemas.microsoft.com/office/drawing/2014/main" xmlns="" val="20000"/>
                     </a:ext>
                   </a:extLst>
                 </a:gridCol>
                 <a:gridCol w="1808525">
                   <a:extLst>
                     <a:ext uri="{9D8B030D-6E8A-4147-A177-3AD203B41FA5}">
-                      <a16:colId xmlns:a16="http://schemas.microsoft.com/office/drawing/2014/main" val="20001"/>
+                      <a16:colId xmlns:a16="http://schemas.microsoft.com/office/drawing/2014/main" xmlns="" val="20001"/>
                     </a:ext>
                   </a:extLst>
                 </a:gridCol>
                 <a:gridCol w="1038325">
                   <a:extLst>
                     <a:ext uri="{9D8B030D-6E8A-4147-A177-3AD203B41FA5}">
-                      <a16:colId xmlns:a16="http://schemas.microsoft.com/office/drawing/2014/main" val="20002"/>
+                      <a16:colId xmlns:a16="http://schemas.microsoft.com/office/drawing/2014/main" xmlns="" val="20002"/>
                     </a:ext>
                   </a:extLst>
                 </a:gridCol>
                 <a:gridCol w="1038325">
                   <a:extLst>
                     <a:ext uri="{9D8B030D-6E8A-4147-A177-3AD203B41FA5}">
-                      <a16:colId xmlns:a16="http://schemas.microsoft.com/office/drawing/2014/main" val="20003"/>
+                      <a16:colId xmlns:a16="http://schemas.microsoft.com/office/drawing/2014/main" xmlns="" val="20003"/>
                     </a:ext>
                   </a:extLst>
                 </a:gridCol>
                 <a:gridCol w="726600">
                   <a:extLst>
                     <a:ext uri="{9D8B030D-6E8A-4147-A177-3AD203B41FA5}">
-                      <a16:colId xmlns:a16="http://schemas.microsoft.com/office/drawing/2014/main" val="20004"/>
+                      <a16:colId xmlns:a16="http://schemas.microsoft.com/office/drawing/2014/main" xmlns="" val="20004"/>
                     </a:ext>
                   </a:extLst>
                 </a:gridCol>
                 <a:gridCol w="715625">
                   <a:extLst>
                     <a:ext uri="{9D8B030D-6E8A-4147-A177-3AD203B41FA5}">
-                      <a16:colId xmlns:a16="http://schemas.microsoft.com/office/drawing/2014/main" val="20005"/>
+                      <a16:colId xmlns:a16="http://schemas.microsoft.com/office/drawing/2014/main" xmlns="" val="20005"/>
                     </a:ext>
                   </a:extLst>
                 </a:gridCol>
                 <a:gridCol w="821625">
                   <a:extLst>
                     <a:ext uri="{9D8B030D-6E8A-4147-A177-3AD203B41FA5}">
-                      <a16:colId xmlns:a16="http://schemas.microsoft.com/office/drawing/2014/main" val="20006"/>
+                      <a16:colId xmlns:a16="http://schemas.microsoft.com/office/drawing/2014/main" xmlns="" val="20006"/>
                     </a:ext>
                   </a:extLst>
                 </a:gridCol>
                 <a:gridCol w="1007175">
                   <a:extLst>
                     <a:ext uri="{9D8B030D-6E8A-4147-A177-3AD203B41FA5}">
-                      <a16:colId xmlns:a16="http://schemas.microsoft.com/office/drawing/2014/main" val="20007"/>
+                      <a16:colId xmlns:a16="http://schemas.microsoft.com/office/drawing/2014/main" xmlns="" val="20007"/>
                     </a:ext>
                   </a:extLst>
                 </a:gridCol>
                 <a:gridCol w="1055375">
                   <a:extLst>
                     <a:ext uri="{9D8B030D-6E8A-4147-A177-3AD203B41FA5}">
-                      <a16:colId xmlns:a16="http://schemas.microsoft.com/office/drawing/2014/main" val="20008"/>
+                      <a16:colId xmlns:a16="http://schemas.microsoft.com/office/drawing/2014/main" xmlns="" val="20008"/>
                     </a:ext>
                   </a:extLst>
                 </a:gridCol>
                 <a:gridCol w="830675">
                   <a:extLst>
                     <a:ext uri="{9D8B030D-6E8A-4147-A177-3AD203B41FA5}">
-                      <a16:colId xmlns:a16="http://schemas.microsoft.com/office/drawing/2014/main" val="20009"/>
+                      <a16:colId xmlns:a16="http://schemas.microsoft.com/office/drawing/2014/main" xmlns="" val="20009"/>
                     </a:ext>
                   </a:extLst>
                 </a:gridCol>
                 <a:gridCol w="830675">
                   <a:extLst>
                     <a:ext uri="{9D8B030D-6E8A-4147-A177-3AD203B41FA5}">
-                      <a16:colId xmlns:a16="http://schemas.microsoft.com/office/drawing/2014/main" val="20010"/>
+                      <a16:colId xmlns:a16="http://schemas.microsoft.com/office/drawing/2014/main" xmlns="" val="20010"/>
                     </a:ext>
                   </a:extLst>
                 </a:gridCol>
@@ -25963,7 +25961,7 @@
                 </a:tc>
                 <a:extLst>
                   <a:ext uri="{0D108BD9-81ED-4DB2-BD59-A6C34878D82A}">
-                    <a16:rowId xmlns:a16="http://schemas.microsoft.com/office/drawing/2014/main" val="10000"/>
+                    <a16:rowId xmlns:a16="http://schemas.microsoft.com/office/drawing/2014/main" xmlns="" val="10000"/>
                   </a:ext>
                 </a:extLst>
               </a:tr>
@@ -26225,7 +26223,7 @@
                 </a:tc>
                 <a:extLst>
                   <a:ext uri="{0D108BD9-81ED-4DB2-BD59-A6C34878D82A}">
-                    <a16:rowId xmlns:a16="http://schemas.microsoft.com/office/drawing/2014/main" val="10001"/>
+                    <a16:rowId xmlns:a16="http://schemas.microsoft.com/office/drawing/2014/main" xmlns="" val="10001"/>
                   </a:ext>
                 </a:extLst>
               </a:tr>
@@ -26725,7 +26723,7 @@
                 </a:tc>
                 <a:extLst>
                   <a:ext uri="{0D108BD9-81ED-4DB2-BD59-A6C34878D82A}">
-                    <a16:rowId xmlns:a16="http://schemas.microsoft.com/office/drawing/2014/main" val="10002"/>
+                    <a16:rowId xmlns:a16="http://schemas.microsoft.com/office/drawing/2014/main" xmlns="" val="10002"/>
                   </a:ext>
                 </a:extLst>
               </a:tr>
@@ -26936,7 +26934,7 @@
                 </a:tc>
                 <a:extLst>
                   <a:ext uri="{0D108BD9-81ED-4DB2-BD59-A6C34878D82A}">
-                    <a16:rowId xmlns:a16="http://schemas.microsoft.com/office/drawing/2014/main" val="10003"/>
+                    <a16:rowId xmlns:a16="http://schemas.microsoft.com/office/drawing/2014/main" xmlns="" val="10003"/>
                   </a:ext>
                 </a:extLst>
               </a:tr>
@@ -27570,7 +27568,7 @@
                 </a:tc>
                 <a:extLst>
                   <a:ext uri="{0D108BD9-81ED-4DB2-BD59-A6C34878D82A}">
-                    <a16:rowId xmlns:a16="http://schemas.microsoft.com/office/drawing/2014/main" val="10004"/>
+                    <a16:rowId xmlns:a16="http://schemas.microsoft.com/office/drawing/2014/main" xmlns="" val="10004"/>
                   </a:ext>
                 </a:extLst>
               </a:tr>
@@ -28157,7 +28155,7 @@
                 </a:tc>
                 <a:extLst>
                   <a:ext uri="{0D108BD9-81ED-4DB2-BD59-A6C34878D82A}">
-                    <a16:rowId xmlns:a16="http://schemas.microsoft.com/office/drawing/2014/main" val="10005"/>
+                    <a16:rowId xmlns:a16="http://schemas.microsoft.com/office/drawing/2014/main" xmlns="" val="10005"/>
                   </a:ext>
                 </a:extLst>
               </a:tr>
@@ -31773,21 +31771,21 @@
                 <a:gridCol w="1315825">
                   <a:extLst>
                     <a:ext uri="{9D8B030D-6E8A-4147-A177-3AD203B41FA5}">
-                      <a16:colId xmlns:a16="http://schemas.microsoft.com/office/drawing/2014/main" val="20000"/>
+                      <a16:colId xmlns:a16="http://schemas.microsoft.com/office/drawing/2014/main" xmlns="" val="20000"/>
                     </a:ext>
                   </a:extLst>
                 </a:gridCol>
                 <a:gridCol w="1072275">
                   <a:extLst>
                     <a:ext uri="{9D8B030D-6E8A-4147-A177-3AD203B41FA5}">
-                      <a16:colId xmlns:a16="http://schemas.microsoft.com/office/drawing/2014/main" val="20001"/>
+                      <a16:colId xmlns:a16="http://schemas.microsoft.com/office/drawing/2014/main" xmlns="" val="20001"/>
                     </a:ext>
                   </a:extLst>
                 </a:gridCol>
                 <a:gridCol w="1197775">
                   <a:extLst>
                     <a:ext uri="{9D8B030D-6E8A-4147-A177-3AD203B41FA5}">
-                      <a16:colId xmlns:a16="http://schemas.microsoft.com/office/drawing/2014/main" val="20002"/>
+                      <a16:colId xmlns:a16="http://schemas.microsoft.com/office/drawing/2014/main" xmlns="" val="20002"/>
                     </a:ext>
                   </a:extLst>
                 </a:gridCol>
@@ -31892,7 +31890,7 @@
                 </a:tc>
                 <a:extLst>
                   <a:ext uri="{0D108BD9-81ED-4DB2-BD59-A6C34878D82A}">
-                    <a16:rowId xmlns:a16="http://schemas.microsoft.com/office/drawing/2014/main" val="10000"/>
+                    <a16:rowId xmlns:a16="http://schemas.microsoft.com/office/drawing/2014/main" xmlns="" val="10000"/>
                   </a:ext>
                 </a:extLst>
               </a:tr>
@@ -31989,7 +31987,7 @@
                 </a:tc>
                 <a:extLst>
                   <a:ext uri="{0D108BD9-81ED-4DB2-BD59-A6C34878D82A}">
-                    <a16:rowId xmlns:a16="http://schemas.microsoft.com/office/drawing/2014/main" val="10001"/>
+                    <a16:rowId xmlns:a16="http://schemas.microsoft.com/office/drawing/2014/main" xmlns="" val="10001"/>
                   </a:ext>
                 </a:extLst>
               </a:tr>
@@ -32066,7 +32064,7 @@
                 </a:tc>
                 <a:extLst>
                   <a:ext uri="{0D108BD9-81ED-4DB2-BD59-A6C34878D82A}">
-                    <a16:rowId xmlns:a16="http://schemas.microsoft.com/office/drawing/2014/main" val="10002"/>
+                    <a16:rowId xmlns:a16="http://schemas.microsoft.com/office/drawing/2014/main" xmlns="" val="10002"/>
                   </a:ext>
                 </a:extLst>
               </a:tr>
@@ -32143,7 +32141,7 @@
                 </a:tc>
                 <a:extLst>
                   <a:ext uri="{0D108BD9-81ED-4DB2-BD59-A6C34878D82A}">
-                    <a16:rowId xmlns:a16="http://schemas.microsoft.com/office/drawing/2014/main" val="10003"/>
+                    <a16:rowId xmlns:a16="http://schemas.microsoft.com/office/drawing/2014/main" xmlns="" val="10003"/>
                   </a:ext>
                 </a:extLst>
               </a:tr>
@@ -32220,7 +32218,7 @@
                 </a:tc>
                 <a:extLst>
                   <a:ext uri="{0D108BD9-81ED-4DB2-BD59-A6C34878D82A}">
-                    <a16:rowId xmlns:a16="http://schemas.microsoft.com/office/drawing/2014/main" val="10004"/>
+                    <a16:rowId xmlns:a16="http://schemas.microsoft.com/office/drawing/2014/main" xmlns="" val="10004"/>
                   </a:ext>
                 </a:extLst>
               </a:tr>
@@ -32297,7 +32295,7 @@
                 </a:tc>
                 <a:extLst>
                   <a:ext uri="{0D108BD9-81ED-4DB2-BD59-A6C34878D82A}">
-                    <a16:rowId xmlns:a16="http://schemas.microsoft.com/office/drawing/2014/main" val="10005"/>
+                    <a16:rowId xmlns:a16="http://schemas.microsoft.com/office/drawing/2014/main" xmlns="" val="10005"/>
                   </a:ext>
                 </a:extLst>
               </a:tr>
@@ -32374,7 +32372,7 @@
                 </a:tc>
                 <a:extLst>
                   <a:ext uri="{0D108BD9-81ED-4DB2-BD59-A6C34878D82A}">
-                    <a16:rowId xmlns:a16="http://schemas.microsoft.com/office/drawing/2014/main" val="10006"/>
+                    <a16:rowId xmlns:a16="http://schemas.microsoft.com/office/drawing/2014/main" xmlns="" val="10006"/>
                   </a:ext>
                 </a:extLst>
               </a:tr>
@@ -33089,63 +33087,63 @@
                 <a:gridCol w="640376">
                   <a:extLst>
                     <a:ext uri="{9D8B030D-6E8A-4147-A177-3AD203B41FA5}">
-                      <a16:colId xmlns:a16="http://schemas.microsoft.com/office/drawing/2014/main" val="20000"/>
+                      <a16:colId xmlns:a16="http://schemas.microsoft.com/office/drawing/2014/main" xmlns="" val="20000"/>
                     </a:ext>
                   </a:extLst>
                 </a:gridCol>
                 <a:gridCol w="1456936">
                   <a:extLst>
                     <a:ext uri="{9D8B030D-6E8A-4147-A177-3AD203B41FA5}">
-                      <a16:colId xmlns:a16="http://schemas.microsoft.com/office/drawing/2014/main" val="20001"/>
+                      <a16:colId xmlns:a16="http://schemas.microsoft.com/office/drawing/2014/main" xmlns="" val="20001"/>
                     </a:ext>
                   </a:extLst>
                 </a:gridCol>
                 <a:gridCol w="1043115">
                   <a:extLst>
                     <a:ext uri="{9D8B030D-6E8A-4147-A177-3AD203B41FA5}">
-                      <a16:colId xmlns:a16="http://schemas.microsoft.com/office/drawing/2014/main" val="20002"/>
+                      <a16:colId xmlns:a16="http://schemas.microsoft.com/office/drawing/2014/main" xmlns="" val="20002"/>
                     </a:ext>
                   </a:extLst>
                 </a:gridCol>
                 <a:gridCol w="1012248">
                   <a:extLst>
                     <a:ext uri="{9D8B030D-6E8A-4147-A177-3AD203B41FA5}">
-                      <a16:colId xmlns:a16="http://schemas.microsoft.com/office/drawing/2014/main" val="20003"/>
+                      <a16:colId xmlns:a16="http://schemas.microsoft.com/office/drawing/2014/main" xmlns="" val="20003"/>
                     </a:ext>
                   </a:extLst>
                 </a:gridCol>
                 <a:gridCol w="1344144">
                   <a:extLst>
                     <a:ext uri="{9D8B030D-6E8A-4147-A177-3AD203B41FA5}">
-                      <a16:colId xmlns:a16="http://schemas.microsoft.com/office/drawing/2014/main" val="20004"/>
+                      <a16:colId xmlns:a16="http://schemas.microsoft.com/office/drawing/2014/main" xmlns="" val="20004"/>
                     </a:ext>
                   </a:extLst>
                 </a:gridCol>
                 <a:gridCol w="846300">
                   <a:extLst>
                     <a:ext uri="{9D8B030D-6E8A-4147-A177-3AD203B41FA5}">
-                      <a16:colId xmlns:a16="http://schemas.microsoft.com/office/drawing/2014/main" val="20005"/>
+                      <a16:colId xmlns:a16="http://schemas.microsoft.com/office/drawing/2014/main" xmlns="" val="20005"/>
                     </a:ext>
                   </a:extLst>
                 </a:gridCol>
                 <a:gridCol w="730158">
                   <a:extLst>
                     <a:ext uri="{9D8B030D-6E8A-4147-A177-3AD203B41FA5}">
-                      <a16:colId xmlns:a16="http://schemas.microsoft.com/office/drawing/2014/main" val="20006"/>
+                      <a16:colId xmlns:a16="http://schemas.microsoft.com/office/drawing/2014/main" xmlns="" val="20006"/>
                     </a:ext>
                   </a:extLst>
                 </a:gridCol>
                 <a:gridCol w="945881">
                   <a:extLst>
                     <a:ext uri="{9D8B030D-6E8A-4147-A177-3AD203B41FA5}">
-                      <a16:colId xmlns:a16="http://schemas.microsoft.com/office/drawing/2014/main" val="20007"/>
+                      <a16:colId xmlns:a16="http://schemas.microsoft.com/office/drawing/2014/main" xmlns="" val="20007"/>
                     </a:ext>
                   </a:extLst>
                 </a:gridCol>
                 <a:gridCol w="979065">
                   <a:extLst>
                     <a:ext uri="{9D8B030D-6E8A-4147-A177-3AD203B41FA5}">
-                      <a16:colId xmlns:a16="http://schemas.microsoft.com/office/drawing/2014/main" val="20008"/>
+                      <a16:colId xmlns:a16="http://schemas.microsoft.com/office/drawing/2014/main" xmlns="" val="20008"/>
                     </a:ext>
                   </a:extLst>
                 </a:gridCol>
@@ -33295,7 +33293,7 @@
                 </a:tc>
                 <a:extLst>
                   <a:ext uri="{0D108BD9-81ED-4DB2-BD59-A6C34878D82A}">
-                    <a16:rowId xmlns:a16="http://schemas.microsoft.com/office/drawing/2014/main" val="10000"/>
+                    <a16:rowId xmlns:a16="http://schemas.microsoft.com/office/drawing/2014/main" xmlns="" val="10000"/>
                   </a:ext>
                 </a:extLst>
               </a:tr>
@@ -33674,7 +33672,7 @@
                 </a:tc>
                 <a:extLst>
                   <a:ext uri="{0D108BD9-81ED-4DB2-BD59-A6C34878D82A}">
-                    <a16:rowId xmlns:a16="http://schemas.microsoft.com/office/drawing/2014/main" val="10001"/>
+                    <a16:rowId xmlns:a16="http://schemas.microsoft.com/office/drawing/2014/main" xmlns="" val="10001"/>
                   </a:ext>
                 </a:extLst>
               </a:tr>
@@ -34006,7 +34004,7 @@
                 </a:tc>
                 <a:extLst>
                   <a:ext uri="{0D108BD9-81ED-4DB2-BD59-A6C34878D82A}">
-                    <a16:rowId xmlns:a16="http://schemas.microsoft.com/office/drawing/2014/main" val="10002"/>
+                    <a16:rowId xmlns:a16="http://schemas.microsoft.com/office/drawing/2014/main" xmlns="" val="10002"/>
                   </a:ext>
                 </a:extLst>
               </a:tr>
@@ -34526,7 +34524,7 @@
                 </a:tc>
                 <a:extLst>
                   <a:ext uri="{0D108BD9-81ED-4DB2-BD59-A6C34878D82A}">
-                    <a16:rowId xmlns:a16="http://schemas.microsoft.com/office/drawing/2014/main" val="10003"/>
+                    <a16:rowId xmlns:a16="http://schemas.microsoft.com/office/drawing/2014/main" xmlns="" val="10003"/>
                   </a:ext>
                 </a:extLst>
               </a:tr>
@@ -35000,7 +34998,7 @@
                 </a:tc>
                 <a:extLst>
                   <a:ext uri="{0D108BD9-81ED-4DB2-BD59-A6C34878D82A}">
-                    <a16:rowId xmlns:a16="http://schemas.microsoft.com/office/drawing/2014/main" val="10004"/>
+                    <a16:rowId xmlns:a16="http://schemas.microsoft.com/office/drawing/2014/main" xmlns="" val="10004"/>
                   </a:ext>
                 </a:extLst>
               </a:tr>
@@ -35474,7 +35472,7 @@
                 </a:tc>
                 <a:extLst>
                   <a:ext uri="{0D108BD9-81ED-4DB2-BD59-A6C34878D82A}">
-                    <a16:rowId xmlns:a16="http://schemas.microsoft.com/office/drawing/2014/main" val="10005"/>
+                    <a16:rowId xmlns:a16="http://schemas.microsoft.com/office/drawing/2014/main" xmlns="" val="10005"/>
                   </a:ext>
                 </a:extLst>
               </a:tr>
@@ -35618,7 +35616,7 @@
                 </a:tc>
                 <a:extLst>
                   <a:ext uri="{0D108BD9-81ED-4DB2-BD59-A6C34878D82A}">
-                    <a16:rowId xmlns:a16="http://schemas.microsoft.com/office/drawing/2014/main" val="10006"/>
+                    <a16:rowId xmlns:a16="http://schemas.microsoft.com/office/drawing/2014/main" xmlns="" val="10006"/>
                   </a:ext>
                 </a:extLst>
               </a:tr>

--- a/INFM600_0201_Fabulous_Presentation/INFM600_0201_Fabulous_ProjetPresentation.pptx
+++ b/INFM600_0201_Fabulous_Presentation/INFM600_0201_Fabulous_ProjetPresentation.pptx
@@ -22,8 +22,8 @@
     <p:sldId id="267" r:id="rId13"/>
     <p:sldId id="268" r:id="rId14"/>
     <p:sldId id="276" r:id="rId15"/>
-    <p:sldId id="269" r:id="rId16"/>
-    <p:sldId id="270" r:id="rId17"/>
+    <p:sldId id="277" r:id="rId16"/>
+    <p:sldId id="269" r:id="rId17"/>
     <p:sldId id="271" r:id="rId18"/>
     <p:sldId id="272" r:id="rId19"/>
     <p:sldId id="273" r:id="rId20"/>
@@ -32,6 +32,15 @@
   </p:sldIdLst>
   <p:sldSz cx="12192000" cy="6858000"/>
   <p:notesSz cx="6858000" cy="9144000"/>
+  <p:embeddedFontLst>
+    <p:embeddedFont>
+      <p:font typeface="Century Gothic" panose="020B0502020202020204" pitchFamily="34" charset="0"/>
+      <p:regular r:id="rId24"/>
+      <p:bold r:id="rId25"/>
+      <p:italic r:id="rId26"/>
+      <p:boldItalic r:id="rId27"/>
+    </p:embeddedFont>
+  </p:embeddedFontLst>
   <p:defaultTextStyle>
     <a:defPPr marR="0" lvl="0" algn="l" rtl="0">
       <a:lnSpc>
@@ -236,7 +245,7 @@
   </p:defaultTextStyle>
   <p:extLst>
     <p:ext uri="{EFAFB233-063F-42B5-8137-9DF3F51BA10A}">
-      <p15:sldGuideLst xmlns:p15="http://schemas.microsoft.com/office/powerpoint/2012/main" xmlns=""/>
+      <p15:sldGuideLst xmlns:p15="http://schemas.microsoft.com/office/powerpoint/2012/main"/>
     </p:ext>
   </p:extLst>
 </p:presentation>
@@ -996,6 +1005,14 @@
               </a:spcBef>
               <a:buNone/>
             </a:pPr>
+            <a:r>
+              <a:rPr lang="en-US" altLang="zh-CN" dirty="0" smtClean="0"/>
+              <a:t>Our third research question is how strongly the station location plays a role in bike trips? For</a:t>
+            </a:r>
+            <a:r>
+              <a:rPr lang="en-US" altLang="zh-CN" baseline="0" dirty="0" smtClean="0"/>
+              <a:t> this research question, we aggregate all record by start station and end station by using database and then calculate the linear distance between two stations by using R. Therefore, our independent variable is linear distance between stations and dependent variable is ridership per start and end station. We use Pearson correlation to evaluate the relationship between those two variables. Since the p-value is extremely small and correlation coefficient is -0.299, we conclude that there is a negative relationship between ridership and distance. </a:t>
+            </a:r>
             <a:endParaRPr dirty="0"/>
           </a:p>
         </p:txBody>
@@ -1106,6 +1123,86 @@
               </a:spcBef>
               <a:buNone/>
             </a:pPr>
+            <a:r>
+              <a:rPr lang="en-US" dirty="0" smtClean="0"/>
+              <a:t>After</a:t>
+            </a:r>
+            <a:r>
+              <a:rPr lang="en-US" baseline="0" dirty="0" smtClean="0"/>
+              <a:t> that, we visualize the popular bicycle routes by using </a:t>
+            </a:r>
+            <a:r>
+              <a:rPr lang="en-US" baseline="0" dirty="0" err="1" smtClean="0"/>
+              <a:t>ggplot</a:t>
+            </a:r>
+            <a:r>
+              <a:rPr lang="en-US" baseline="0" dirty="0" smtClean="0"/>
+              <a:t>. However since we have about 30 thousands routes, it is not very visible if we show all of them in one picture. Therefore, we only focus on routes in DC area.  As </a:t>
+            </a:r>
+            <a:r>
+              <a:rPr lang="en-US" baseline="0" dirty="0" err="1" smtClean="0"/>
+              <a:t>Suyan</a:t>
+            </a:r>
+            <a:r>
+              <a:rPr lang="en-US" baseline="0" dirty="0" smtClean="0"/>
+              <a:t> mentioned earlier, we found the peak hours are 9 am and 5 pm and those commuter are the majority of Capital </a:t>
+            </a:r>
+            <a:r>
+              <a:rPr lang="en-US" baseline="0" dirty="0" err="1" smtClean="0"/>
+              <a:t>Bikeshare</a:t>
+            </a:r>
+            <a:r>
+              <a:rPr lang="en-US" baseline="0" dirty="0" smtClean="0"/>
+              <a:t> customers, so we are curious whether the popular bicycle routes could match the results of peak hours. Although the majority of Capital </a:t>
+            </a:r>
+            <a:r>
+              <a:rPr lang="en-US" baseline="0" dirty="0" err="1" smtClean="0"/>
+              <a:t>bikeshare</a:t>
+            </a:r>
+            <a:r>
+              <a:rPr lang="en-US" baseline="0" dirty="0" smtClean="0"/>
+              <a:t> customers are commuters, the most popular routes are around tourist attractions, like Lincoln memorial and Jefferson memorial. Including 6 outliers resulted from cherry </a:t>
+            </a:r>
+            <a:r>
+              <a:rPr lang="en-US" baseline="0" dirty="0" err="1" smtClean="0"/>
+              <a:t>bloosm</a:t>
+            </a:r>
+            <a:r>
+              <a:rPr lang="en-US" baseline="0" dirty="0" smtClean="0"/>
+              <a:t> festivals, Amit just mentioned, tourists are still very important for Capital </a:t>
+            </a:r>
+            <a:r>
+              <a:rPr lang="en-US" baseline="0" dirty="0" err="1" smtClean="0"/>
+              <a:t>bikeshare</a:t>
+            </a:r>
+            <a:r>
+              <a:rPr lang="en-US" baseline="0" dirty="0" smtClean="0"/>
+              <a:t> Co. As a  result, Capital </a:t>
+            </a:r>
+            <a:r>
+              <a:rPr lang="en-US" baseline="0" dirty="0" err="1" smtClean="0"/>
+              <a:t>bikeshare</a:t>
+            </a:r>
+            <a:r>
+              <a:rPr lang="en-US" baseline="0" dirty="0" smtClean="0"/>
+              <a:t> Co. should have two different pricing policy for tourists and commuters to stimulate and increase the demand.  For example, Capital </a:t>
+            </a:r>
+            <a:r>
+              <a:rPr lang="en-US" baseline="0" dirty="0" err="1" smtClean="0"/>
+              <a:t>bikeshare</a:t>
+            </a:r>
+            <a:r>
+              <a:rPr lang="en-US" baseline="0" dirty="0" smtClean="0"/>
+              <a:t> Co could provide a cheaper price for those tourists if they rent for 3 days and promise will return bikes to stations around tourist attractions.  As for those commuters, Capital </a:t>
+            </a:r>
+            <a:r>
+              <a:rPr lang="en-US" baseline="0" dirty="0" err="1" smtClean="0"/>
+              <a:t>bikeshare</a:t>
+            </a:r>
+            <a:r>
+              <a:rPr lang="en-US" baseline="0" dirty="0" smtClean="0"/>
+              <a:t> could also provide a cheaper price if they rent more than 3 days in a week or they rent and return bikes in a same station,</a:t>
+            </a:r>
             <a:endParaRPr dirty="0"/>
           </a:p>
         </p:txBody>
@@ -1169,116 +1266,6 @@
   <p:cSld>
     <p:spTree>
       <p:nvGrpSpPr>
-        <p:cNvPr id="1" name="Shape 241"/>
-        <p:cNvGrpSpPr/>
-        <p:nvPr/>
-      </p:nvGrpSpPr>
-      <p:grpSpPr>
-        <a:xfrm>
-          <a:off x="0" y="0"/>
-          <a:ext cx="0" cy="0"/>
-          <a:chOff x="0" y="0"/>
-          <a:chExt cx="0" cy="0"/>
-        </a:xfrm>
-      </p:grpSpPr>
-      <p:sp>
-        <p:nvSpPr>
-          <p:cNvPr id="242" name="Shape 242"/>
-          <p:cNvSpPr txBox="1">
-            <a:spLocks noGrp="1"/>
-          </p:cNvSpPr>
-          <p:nvPr>
-            <p:ph type="body" idx="1"/>
-          </p:nvPr>
-        </p:nvSpPr>
-        <p:spPr>
-          <a:xfrm>
-            <a:off x="685800" y="4343400"/>
-            <a:ext cx="5486399" cy="4114800"/>
-          </a:xfrm>
-          <a:prstGeom prst="rect">
-            <a:avLst/>
-          </a:prstGeom>
-          <a:noFill/>
-          <a:ln>
-            <a:noFill/>
-          </a:ln>
-        </p:spPr>
-        <p:txBody>
-          <a:bodyPr lIns="91425" tIns="91425" rIns="91425" bIns="91425" anchor="ctr" anchorCtr="0">
-            <a:noAutofit/>
-          </a:bodyPr>
-          <a:lstStyle/>
-          <a:p>
-            <a:pPr lvl="0">
-              <a:spcBef>
-                <a:spcPts val="0"/>
-              </a:spcBef>
-              <a:buNone/>
-            </a:pPr>
-            <a:endParaRPr dirty="0"/>
-          </a:p>
-        </p:txBody>
-      </p:sp>
-      <p:sp>
-        <p:nvSpPr>
-          <p:cNvPr id="243" name="Shape 243"/>
-          <p:cNvSpPr>
-            <a:spLocks noGrp="1" noRot="1" noChangeAspect="1"/>
-          </p:cNvSpPr>
-          <p:nvPr>
-            <p:ph type="sldImg" idx="2"/>
-          </p:nvPr>
-        </p:nvSpPr>
-        <p:spPr>
-          <a:xfrm>
-            <a:off x="1143225" y="685800"/>
-            <a:ext cx="4572225" cy="3429000"/>
-          </a:xfrm>
-          <a:custGeom>
-            <a:avLst/>
-            <a:gdLst/>
-            <a:ahLst/>
-            <a:cxnLst/>
-            <a:rect l="0" t="0" r="0" b="0"/>
-            <a:pathLst>
-              <a:path w="120000" h="120000" extrusionOk="0">
-                <a:moveTo>
-                  <a:pt x="0" y="0"/>
-                </a:moveTo>
-                <a:lnTo>
-                  <a:pt x="120000" y="0"/>
-                </a:lnTo>
-                <a:lnTo>
-                  <a:pt x="120000" y="120000"/>
-                </a:lnTo>
-                <a:lnTo>
-                  <a:pt x="0" y="120000"/>
-                </a:lnTo>
-                <a:close/>
-              </a:path>
-            </a:pathLst>
-          </a:custGeom>
-        </p:spPr>
-      </p:sp>
-    </p:spTree>
-    <p:extLst>
-      <p:ext uri="{BB962C8B-B14F-4D97-AF65-F5344CB8AC3E}">
-        <p14:creationId xmlns:p14="http://schemas.microsoft.com/office/powerpoint/2010/main" val="804801961"/>
-      </p:ext>
-    </p:extLst>
-  </p:cSld>
-  <p:clrMapOvr>
-    <a:masterClrMapping/>
-  </p:clrMapOvr>
-</p:notes>
-</file>
-
-<file path=ppt/notesSlides/notesSlide16.xml><?xml version="1.0" encoding="utf-8"?>
-<p:notes xmlns:a="http://schemas.openxmlformats.org/drawingml/2006/main" xmlns:r="http://schemas.openxmlformats.org/officeDocument/2006/relationships" xmlns:p="http://schemas.openxmlformats.org/presentationml/2006/main" showMasterSp="0" showMasterPhAnim="0">
-  <p:cSld>
-    <p:spTree>
-      <p:nvGrpSpPr>
         <p:cNvPr id="1" name="Shape 249"/>
         <p:cNvGrpSpPr/>
         <p:nvPr/>
@@ -1326,6 +1313,14 @@
               </a:spcBef>
               <a:buNone/>
             </a:pPr>
+            <a:r>
+              <a:rPr lang="en-US" dirty="0" smtClean="0"/>
+              <a:t>Our</a:t>
+            </a:r>
+            <a:r>
+              <a:rPr lang="en-US" baseline="0" dirty="0" smtClean="0"/>
+              <a:t> last research question is how does the national holiday impact the bike ride counts. For this research question, we categorized our records into two category, the ridership on holiday and on non-holiday.  Our IV is DC holiday dates and dv is the ridership. We use two sample t-test to solve this question and we found the p=value is about .004. So we conclude that the ridership on holiday and non-holiday are not equal. </a:t>
+            </a:r>
             <a:endParaRPr dirty="0"/>
           </a:p>
         </p:txBody>
@@ -1374,7 +1369,157 @@
     </p:spTree>
     <p:extLst>
       <p:ext uri="{BB962C8B-B14F-4D97-AF65-F5344CB8AC3E}">
-        <p14:creationId xmlns:p14="http://schemas.microsoft.com/office/powerpoint/2010/main" val="3473107289"/>
+        <p14:creationId xmlns:p14="http://schemas.microsoft.com/office/powerpoint/2010/main" val="70417964"/>
+      </p:ext>
+    </p:extLst>
+  </p:cSld>
+  <p:clrMapOvr>
+    <a:masterClrMapping/>
+  </p:clrMapOvr>
+</p:notes>
+</file>
+
+<file path=ppt/notesSlides/notesSlide16.xml><?xml version="1.0" encoding="utf-8"?>
+<p:notes xmlns:a="http://schemas.openxmlformats.org/drawingml/2006/main" xmlns:r="http://schemas.openxmlformats.org/officeDocument/2006/relationships" xmlns:p="http://schemas.openxmlformats.org/presentationml/2006/main" showMasterSp="0" showMasterPhAnim="0">
+  <p:cSld>
+    <p:spTree>
+      <p:nvGrpSpPr>
+        <p:cNvPr id="1" name="Shape 241"/>
+        <p:cNvGrpSpPr/>
+        <p:nvPr/>
+      </p:nvGrpSpPr>
+      <p:grpSpPr>
+        <a:xfrm>
+          <a:off x="0" y="0"/>
+          <a:ext cx="0" cy="0"/>
+          <a:chOff x="0" y="0"/>
+          <a:chExt cx="0" cy="0"/>
+        </a:xfrm>
+      </p:grpSpPr>
+      <p:sp>
+        <p:nvSpPr>
+          <p:cNvPr id="242" name="Shape 242"/>
+          <p:cNvSpPr txBox="1">
+            <a:spLocks noGrp="1"/>
+          </p:cNvSpPr>
+          <p:nvPr>
+            <p:ph type="body" idx="1"/>
+          </p:nvPr>
+        </p:nvSpPr>
+        <p:spPr>
+          <a:xfrm>
+            <a:off x="685800" y="4343400"/>
+            <a:ext cx="5486399" cy="4114800"/>
+          </a:xfrm>
+          <a:prstGeom prst="rect">
+            <a:avLst/>
+          </a:prstGeom>
+          <a:noFill/>
+          <a:ln>
+            <a:noFill/>
+          </a:ln>
+        </p:spPr>
+        <p:txBody>
+          <a:bodyPr lIns="91425" tIns="91425" rIns="91425" bIns="91425" anchor="ctr" anchorCtr="0">
+            <a:noAutofit/>
+          </a:bodyPr>
+          <a:lstStyle/>
+          <a:p>
+            <a:pPr lvl="0">
+              <a:spcBef>
+                <a:spcPts val="0"/>
+              </a:spcBef>
+              <a:buNone/>
+            </a:pPr>
+            <a:r>
+              <a:rPr lang="en-US" baseline="0" dirty="0" smtClean="0"/>
+              <a:t> And then we use a bar graph to show the difference between these two groups. However, the result is contrary to our expectation that the number of ridership on holiday is smaller than the number on non-holiday. </a:t>
+            </a:r>
+          </a:p>
+          <a:p>
+            <a:pPr lvl="0">
+              <a:spcBef>
+                <a:spcPts val="0"/>
+              </a:spcBef>
+              <a:buNone/>
+            </a:pPr>
+            <a:r>
+              <a:rPr lang="en-US" baseline="0" dirty="0" smtClean="0"/>
+              <a:t>At beginning, we had no idea why we have such result. But we have two explanations: first, the major holidays are in the winter, like new year eve, </a:t>
+            </a:r>
+            <a:r>
+              <a:rPr lang="en-US" baseline="0" dirty="0" err="1" smtClean="0"/>
+              <a:t>chrismas</a:t>
+            </a:r>
+            <a:r>
+              <a:rPr lang="en-US" baseline="0" dirty="0" smtClean="0"/>
+              <a:t>, thanksgiving. People definitely do not rent bikes in the winter even they have holiday and do not need to work. Second, as we mentioned </a:t>
+            </a:r>
+            <a:r>
+              <a:rPr lang="en-US" baseline="0" dirty="0" err="1" smtClean="0"/>
+              <a:t>earier</a:t>
+            </a:r>
+            <a:r>
+              <a:rPr lang="en-US" baseline="0" dirty="0" smtClean="0"/>
+              <a:t>, both tourists and commuters are important to Capital </a:t>
+            </a:r>
+            <a:r>
+              <a:rPr lang="en-US" baseline="0" dirty="0" err="1" smtClean="0"/>
+              <a:t>bikeshare</a:t>
+            </a:r>
+            <a:r>
+              <a:rPr lang="en-US" baseline="0" dirty="0" smtClean="0"/>
+              <a:t> Co. But we do not know who are more important. Therefore, this result tells us compared to tourists, commuters use renting service more often. </a:t>
+            </a:r>
+            <a:endParaRPr dirty="0"/>
+          </a:p>
+        </p:txBody>
+      </p:sp>
+      <p:sp>
+        <p:nvSpPr>
+          <p:cNvPr id="243" name="Shape 243"/>
+          <p:cNvSpPr>
+            <a:spLocks noGrp="1" noRot="1" noChangeAspect="1"/>
+          </p:cNvSpPr>
+          <p:nvPr>
+            <p:ph type="sldImg" idx="2"/>
+          </p:nvPr>
+        </p:nvSpPr>
+        <p:spPr>
+          <a:xfrm>
+            <a:off x="381000" y="685800"/>
+            <a:ext cx="6096000" cy="3429000"/>
+          </a:xfrm>
+          <a:custGeom>
+            <a:avLst/>
+            <a:gdLst/>
+            <a:ahLst/>
+            <a:cxnLst/>
+            <a:rect l="0" t="0" r="0" b="0"/>
+            <a:pathLst>
+              <a:path w="120000" h="120000" extrusionOk="0">
+                <a:moveTo>
+                  <a:pt x="0" y="0"/>
+                </a:moveTo>
+                <a:lnTo>
+                  <a:pt x="120000" y="0"/>
+                </a:lnTo>
+                <a:lnTo>
+                  <a:pt x="120000" y="120000"/>
+                </a:lnTo>
+                <a:lnTo>
+                  <a:pt x="0" y="120000"/>
+                </a:lnTo>
+                <a:close/>
+              </a:path>
+            </a:pathLst>
+          </a:custGeom>
+        </p:spPr>
+      </p:sp>
+    </p:spTree>
+    <p:extLst>
+      <p:ext uri="{BB962C8B-B14F-4D97-AF65-F5344CB8AC3E}">
+        <p14:creationId xmlns:p14="http://schemas.microsoft.com/office/powerpoint/2010/main" val="804801961"/>
       </p:ext>
     </p:extLst>
   </p:cSld>
@@ -1436,6 +1581,39 @@
               </a:spcBef>
               <a:buNone/>
             </a:pPr>
+            <a:r>
+              <a:rPr lang="en-US" altLang="zh-CN" baseline="0" dirty="0" smtClean="0"/>
+              <a:t>However, there is a limitation that we should use actual distance, not linear distance, as our independent variable, then our result would be more reliable. Actually we have finished python code to connect Google Map API to calculate the actual distance and it is successful when we were testing the sample data. Google </a:t>
+            </a:r>
+            <a:r>
+              <a:rPr lang="en-US" altLang="zh-CN" baseline="0" dirty="0" err="1" smtClean="0"/>
+              <a:t>Api</a:t>
+            </a:r>
+            <a:r>
+              <a:rPr lang="en-US" altLang="zh-CN" baseline="0" dirty="0" smtClean="0"/>
+              <a:t> will charge us if we have more than 2500 elements. </a:t>
+            </a:r>
+          </a:p>
+          <a:p>
+            <a:pPr lvl="0">
+              <a:spcBef>
+                <a:spcPts val="0"/>
+              </a:spcBef>
+              <a:buNone/>
+            </a:pPr>
+            <a:endParaRPr lang="en-US" altLang="zh-CN" baseline="0" dirty="0" smtClean="0"/>
+          </a:p>
+          <a:p>
+            <a:pPr lvl="0">
+              <a:spcBef>
+                <a:spcPts val="0"/>
+              </a:spcBef>
+              <a:buNone/>
+            </a:pPr>
+            <a:r>
+              <a:rPr lang="en-US" altLang="zh-CN" baseline="0" dirty="0" smtClean="0"/>
+              <a:t>The second limitation is about outliers.  </a:t>
+            </a:r>
             <a:endParaRPr dirty="0"/>
           </a:p>
         </p:txBody>
@@ -1452,8 +1630,8 @@
         </p:nvSpPr>
         <p:spPr>
           <a:xfrm>
-            <a:off x="1143225" y="685800"/>
-            <a:ext cx="4572225" cy="3429000"/>
+            <a:off x="381000" y="685800"/>
+            <a:ext cx="6096000" cy="3429000"/>
           </a:xfrm>
           <a:custGeom>
             <a:avLst/>
@@ -22381,7 +22559,7 @@
   <p:clrMapOvr>
     <a:masterClrMapping/>
   </p:clrMapOvr>
-  <p:transition xmlns:p14="http://schemas.microsoft.com/office/powerpoint/2010/main" spd="slow">
+  <p:transition spd="slow">
     <p:fade/>
   </p:transition>
 </p:sld>
@@ -22509,7 +22687,7 @@
   <p:clrMapOvr>
     <a:masterClrMapping/>
   </p:clrMapOvr>
-  <p:transition xmlns:p14="http://schemas.microsoft.com/office/powerpoint/2010/main" spd="slow">
+  <p:transition spd="slow">
     <p:fade/>
   </p:transition>
 </p:sld>
@@ -22668,7 +22846,7 @@
   <p:clrMapOvr>
     <a:masterClrMapping/>
   </p:clrMapOvr>
-  <p:transition xmlns:p14="http://schemas.microsoft.com/office/powerpoint/2010/main" spd="slow">
+  <p:transition spd="slow">
     <p:fade/>
   </p:transition>
 </p:sld>
@@ -22818,17 +22996,8 @@
             </a:r>
             <a:r>
               <a:rPr lang="en-US" dirty="0"/>
-              <a:t>Ride Start </a:t>
+              <a:t>Ride Start Date</a:t>
             </a:r>
-            <a:r>
-              <a:rPr lang="en-US" dirty="0" smtClean="0"/>
-              <a:t>T</a:t>
-            </a:r>
-            <a:r>
-              <a:rPr lang="en-US" dirty="0" smtClean="0"/>
-              <a:t>ime</a:t>
-            </a:r>
-            <a:endParaRPr lang="en-US" dirty="0"/>
           </a:p>
           <a:p>
             <a:pPr lvl="1" indent="-285750"/>
@@ -23110,28 +23279,28 @@
                 <a:gridCol w="1435900">
                   <a:extLst>
                     <a:ext uri="{9D8B030D-6E8A-4147-A177-3AD203B41FA5}">
-                      <a16:colId xmlns="" xmlns:a16="http://schemas.microsoft.com/office/drawing/2014/main" val="20000"/>
+                      <a16:colId xmlns:a16="http://schemas.microsoft.com/office/drawing/2014/main" xmlns="" val="20000"/>
                     </a:ext>
                   </a:extLst>
                 </a:gridCol>
                 <a:gridCol w="591375">
                   <a:extLst>
                     <a:ext uri="{9D8B030D-6E8A-4147-A177-3AD203B41FA5}">
-                      <a16:colId xmlns="" xmlns:a16="http://schemas.microsoft.com/office/drawing/2014/main" val="20001"/>
+                      <a16:colId xmlns:a16="http://schemas.microsoft.com/office/drawing/2014/main" xmlns="" val="20001"/>
                     </a:ext>
                   </a:extLst>
                 </a:gridCol>
                 <a:gridCol w="1143325">
                   <a:extLst>
                     <a:ext uri="{9D8B030D-6E8A-4147-A177-3AD203B41FA5}">
-                      <a16:colId xmlns="" xmlns:a16="http://schemas.microsoft.com/office/drawing/2014/main" val="20002"/>
+                      <a16:colId xmlns:a16="http://schemas.microsoft.com/office/drawing/2014/main" xmlns="" val="20002"/>
                     </a:ext>
                   </a:extLst>
                 </a:gridCol>
                 <a:gridCol w="1163225">
                   <a:extLst>
                     <a:ext uri="{9D8B030D-6E8A-4147-A177-3AD203B41FA5}">
-                      <a16:colId xmlns="" xmlns:a16="http://schemas.microsoft.com/office/drawing/2014/main" val="20003"/>
+                      <a16:colId xmlns:a16="http://schemas.microsoft.com/office/drawing/2014/main" xmlns="" val="20003"/>
                     </a:ext>
                   </a:extLst>
                 </a:gridCol>
@@ -23189,7 +23358,7 @@
                 </a:tc>
                 <a:extLst>
                   <a:ext uri="{0D108BD9-81ED-4DB2-BD59-A6C34878D82A}">
-                    <a16:rowId xmlns="" xmlns:a16="http://schemas.microsoft.com/office/drawing/2014/main" val="10000"/>
+                    <a16:rowId xmlns:a16="http://schemas.microsoft.com/office/drawing/2014/main" xmlns="" val="10000"/>
                   </a:ext>
                 </a:extLst>
               </a:tr>
@@ -23291,7 +23460,7 @@
                 </a:tc>
                 <a:extLst>
                   <a:ext uri="{0D108BD9-81ED-4DB2-BD59-A6C34878D82A}">
-                    <a16:rowId xmlns="" xmlns:a16="http://schemas.microsoft.com/office/drawing/2014/main" val="10001"/>
+                    <a16:rowId xmlns:a16="http://schemas.microsoft.com/office/drawing/2014/main" xmlns="" val="10001"/>
                   </a:ext>
                 </a:extLst>
               </a:tr>
@@ -23378,7 +23547,7 @@
                 </a:tc>
                 <a:extLst>
                   <a:ext uri="{0D108BD9-81ED-4DB2-BD59-A6C34878D82A}">
-                    <a16:rowId xmlns="" xmlns:a16="http://schemas.microsoft.com/office/drawing/2014/main" val="10002"/>
+                    <a16:rowId xmlns:a16="http://schemas.microsoft.com/office/drawing/2014/main" xmlns="" val="10002"/>
                   </a:ext>
                 </a:extLst>
               </a:tr>
@@ -23465,7 +23634,7 @@
                 </a:tc>
                 <a:extLst>
                   <a:ext uri="{0D108BD9-81ED-4DB2-BD59-A6C34878D82A}">
-                    <a16:rowId xmlns="" xmlns:a16="http://schemas.microsoft.com/office/drawing/2014/main" val="10003"/>
+                    <a16:rowId xmlns:a16="http://schemas.microsoft.com/office/drawing/2014/main" xmlns="" val="10003"/>
                   </a:ext>
                 </a:extLst>
               </a:tr>
@@ -23494,42 +23663,42 @@
                 <a:gridCol w="653650">
                   <a:extLst>
                     <a:ext uri="{9D8B030D-6E8A-4147-A177-3AD203B41FA5}">
-                      <a16:colId xmlns="" xmlns:a16="http://schemas.microsoft.com/office/drawing/2014/main" val="20000"/>
+                      <a16:colId xmlns:a16="http://schemas.microsoft.com/office/drawing/2014/main" xmlns="" val="20000"/>
                     </a:ext>
                   </a:extLst>
                 </a:gridCol>
                 <a:gridCol w="1176150">
                   <a:extLst>
                     <a:ext uri="{9D8B030D-6E8A-4147-A177-3AD203B41FA5}">
-                      <a16:colId xmlns="" xmlns:a16="http://schemas.microsoft.com/office/drawing/2014/main" val="20001"/>
+                      <a16:colId xmlns:a16="http://schemas.microsoft.com/office/drawing/2014/main" xmlns="" val="20001"/>
                     </a:ext>
                   </a:extLst>
                 </a:gridCol>
                 <a:gridCol w="308175">
                   <a:extLst>
                     <a:ext uri="{9D8B030D-6E8A-4147-A177-3AD203B41FA5}">
-                      <a16:colId xmlns="" xmlns:a16="http://schemas.microsoft.com/office/drawing/2014/main" val="20002"/>
+                      <a16:colId xmlns:a16="http://schemas.microsoft.com/office/drawing/2014/main" xmlns="" val="20002"/>
                     </a:ext>
                   </a:extLst>
                 </a:gridCol>
                 <a:gridCol w="971550">
                   <a:extLst>
                     <a:ext uri="{9D8B030D-6E8A-4147-A177-3AD203B41FA5}">
-                      <a16:colId xmlns="" xmlns:a16="http://schemas.microsoft.com/office/drawing/2014/main" val="20003"/>
+                      <a16:colId xmlns:a16="http://schemas.microsoft.com/office/drawing/2014/main" xmlns="" val="20003"/>
                     </a:ext>
                   </a:extLst>
                 </a:gridCol>
                 <a:gridCol w="717450">
                   <a:extLst>
                     <a:ext uri="{9D8B030D-6E8A-4147-A177-3AD203B41FA5}">
-                      <a16:colId xmlns="" xmlns:a16="http://schemas.microsoft.com/office/drawing/2014/main" val="20004"/>
+                      <a16:colId xmlns:a16="http://schemas.microsoft.com/office/drawing/2014/main" xmlns="" val="20004"/>
                     </a:ext>
                   </a:extLst>
                 </a:gridCol>
                 <a:gridCol w="548650">
                   <a:extLst>
                     <a:ext uri="{9D8B030D-6E8A-4147-A177-3AD203B41FA5}">
-                      <a16:colId xmlns="" xmlns:a16="http://schemas.microsoft.com/office/drawing/2014/main" val="20005"/>
+                      <a16:colId xmlns:a16="http://schemas.microsoft.com/office/drawing/2014/main" xmlns="" val="20005"/>
                     </a:ext>
                   </a:extLst>
                 </a:gridCol>
@@ -23607,7 +23776,7 @@
                 </a:tc>
                 <a:extLst>
                   <a:ext uri="{0D108BD9-81ED-4DB2-BD59-A6C34878D82A}">
-                    <a16:rowId xmlns="" xmlns:a16="http://schemas.microsoft.com/office/drawing/2014/main" val="10000"/>
+                    <a16:rowId xmlns:a16="http://schemas.microsoft.com/office/drawing/2014/main" xmlns="" val="10000"/>
                   </a:ext>
                 </a:extLst>
               </a:tr>
@@ -23759,7 +23928,7 @@
                 </a:tc>
                 <a:extLst>
                   <a:ext uri="{0D108BD9-81ED-4DB2-BD59-A6C34878D82A}">
-                    <a16:rowId xmlns="" xmlns:a16="http://schemas.microsoft.com/office/drawing/2014/main" val="10001"/>
+                    <a16:rowId xmlns:a16="http://schemas.microsoft.com/office/drawing/2014/main" xmlns="" val="10001"/>
                   </a:ext>
                 </a:extLst>
               </a:tr>
@@ -23886,7 +24055,7 @@
                 </a:tc>
                 <a:extLst>
                   <a:ext uri="{0D108BD9-81ED-4DB2-BD59-A6C34878D82A}">
-                    <a16:rowId xmlns="" xmlns:a16="http://schemas.microsoft.com/office/drawing/2014/main" val="10002"/>
+                    <a16:rowId xmlns:a16="http://schemas.microsoft.com/office/drawing/2014/main" xmlns="" val="10002"/>
                   </a:ext>
                 </a:extLst>
               </a:tr>
@@ -24013,7 +24182,7 @@
                 </a:tc>
                 <a:extLst>
                   <a:ext uri="{0D108BD9-81ED-4DB2-BD59-A6C34878D82A}">
-                    <a16:rowId xmlns="" xmlns:a16="http://schemas.microsoft.com/office/drawing/2014/main" val="10003"/>
+                    <a16:rowId xmlns:a16="http://schemas.microsoft.com/office/drawing/2014/main" xmlns="" val="10003"/>
                   </a:ext>
                 </a:extLst>
               </a:tr>
@@ -24073,9 +24242,16 @@
   <p:clrMapOvr>
     <a:masterClrMapping/>
   </p:clrMapOvr>
-  <p:transition xmlns:p14="http://schemas.microsoft.com/office/powerpoint/2010/main" spd="slow">
+  <p:transition spd="slow">
     <p:fade/>
   </p:transition>
+  <p:timing>
+    <p:tnLst>
+      <p:par>
+        <p:cTn id="1" dur="indefinite" restart="never" nodeType="tmRoot"/>
+      </p:par>
+    </p:tnLst>
+  </p:timing>
 </p:sld>
 </file>
 
@@ -24325,7 +24501,7 @@
         </p:nvGraphicFramePr>
         <p:xfrm>
           <a:off x="646110" y="2975143"/>
-          <a:ext cx="4319750" cy="2971799"/>
+          <a:ext cx="4319750" cy="2971800"/>
         </p:xfrm>
         <a:graphic>
           <a:graphicData uri="http://schemas.openxmlformats.org/drawingml/2006/table">
@@ -24338,28 +24514,28 @@
                 <a:gridCol w="1222575">
                   <a:extLst>
                     <a:ext uri="{9D8B030D-6E8A-4147-A177-3AD203B41FA5}">
-                      <a16:colId xmlns="" xmlns:a16="http://schemas.microsoft.com/office/drawing/2014/main" val="20000"/>
+                      <a16:colId xmlns:a16="http://schemas.microsoft.com/office/drawing/2014/main" xmlns="" val="20000"/>
                     </a:ext>
                   </a:extLst>
                 </a:gridCol>
                 <a:gridCol w="1222575">
                   <a:extLst>
                     <a:ext uri="{9D8B030D-6E8A-4147-A177-3AD203B41FA5}">
-                      <a16:colId xmlns="" xmlns:a16="http://schemas.microsoft.com/office/drawing/2014/main" val="20001"/>
+                      <a16:colId xmlns:a16="http://schemas.microsoft.com/office/drawing/2014/main" xmlns="" val="20001"/>
                     </a:ext>
                   </a:extLst>
                 </a:gridCol>
                 <a:gridCol w="937300">
                   <a:extLst>
                     <a:ext uri="{9D8B030D-6E8A-4147-A177-3AD203B41FA5}">
-                      <a16:colId xmlns="" xmlns:a16="http://schemas.microsoft.com/office/drawing/2014/main" val="20002"/>
+                      <a16:colId xmlns:a16="http://schemas.microsoft.com/office/drawing/2014/main" xmlns="" val="20002"/>
                     </a:ext>
                   </a:extLst>
                 </a:gridCol>
                 <a:gridCol w="937300">
                   <a:extLst>
                     <a:ext uri="{9D8B030D-6E8A-4147-A177-3AD203B41FA5}">
-                      <a16:colId xmlns="" xmlns:a16="http://schemas.microsoft.com/office/drawing/2014/main" val="20003"/>
+                      <a16:colId xmlns:a16="http://schemas.microsoft.com/office/drawing/2014/main" xmlns="" val="20003"/>
                     </a:ext>
                   </a:extLst>
                 </a:gridCol>
@@ -24417,7 +24593,7 @@
                 </a:tc>
                 <a:extLst>
                   <a:ext uri="{0D108BD9-81ED-4DB2-BD59-A6C34878D82A}">
-                    <a16:rowId xmlns="" xmlns:a16="http://schemas.microsoft.com/office/drawing/2014/main" val="10000"/>
+                    <a16:rowId xmlns:a16="http://schemas.microsoft.com/office/drawing/2014/main" xmlns="" val="10000"/>
                   </a:ext>
                 </a:extLst>
               </a:tr>
@@ -24494,7 +24670,7 @@
                 </a:tc>
                 <a:extLst>
                   <a:ext uri="{0D108BD9-81ED-4DB2-BD59-A6C34878D82A}">
-                    <a16:rowId xmlns="" xmlns:a16="http://schemas.microsoft.com/office/drawing/2014/main" val="10001"/>
+                    <a16:rowId xmlns:a16="http://schemas.microsoft.com/office/drawing/2014/main" xmlns="" val="10001"/>
                   </a:ext>
                 </a:extLst>
               </a:tr>
@@ -24585,7 +24761,7 @@
                 </a:tc>
                 <a:extLst>
                   <a:ext uri="{0D108BD9-81ED-4DB2-BD59-A6C34878D82A}">
-                    <a16:rowId xmlns="" xmlns:a16="http://schemas.microsoft.com/office/drawing/2014/main" val="10002"/>
+                    <a16:rowId xmlns:a16="http://schemas.microsoft.com/office/drawing/2014/main" xmlns="" val="10002"/>
                   </a:ext>
                 </a:extLst>
               </a:tr>
@@ -24662,7 +24838,7 @@
                 </a:tc>
                 <a:extLst>
                   <a:ext uri="{0D108BD9-81ED-4DB2-BD59-A6C34878D82A}">
-                    <a16:rowId xmlns="" xmlns:a16="http://schemas.microsoft.com/office/drawing/2014/main" val="10003"/>
+                    <a16:rowId xmlns:a16="http://schemas.microsoft.com/office/drawing/2014/main" xmlns="" val="10003"/>
                   </a:ext>
                 </a:extLst>
               </a:tr>
@@ -24739,7 +24915,7 @@
                 </a:tc>
                 <a:extLst>
                   <a:ext uri="{0D108BD9-81ED-4DB2-BD59-A6C34878D82A}">
-                    <a16:rowId xmlns="" xmlns:a16="http://schemas.microsoft.com/office/drawing/2014/main" val="10004"/>
+                    <a16:rowId xmlns:a16="http://schemas.microsoft.com/office/drawing/2014/main" xmlns="" val="10004"/>
                   </a:ext>
                 </a:extLst>
               </a:tr>
@@ -24830,7 +25006,7 @@
                 </a:tc>
                 <a:extLst>
                   <a:ext uri="{0D108BD9-81ED-4DB2-BD59-A6C34878D82A}">
-                    <a16:rowId xmlns="" xmlns:a16="http://schemas.microsoft.com/office/drawing/2014/main" val="10005"/>
+                    <a16:rowId xmlns:a16="http://schemas.microsoft.com/office/drawing/2014/main" xmlns="" val="10005"/>
                   </a:ext>
                 </a:extLst>
               </a:tr>
@@ -24907,7 +25083,7 @@
                 </a:tc>
                 <a:extLst>
                   <a:ext uri="{0D108BD9-81ED-4DB2-BD59-A6C34878D82A}">
-                    <a16:rowId xmlns="" xmlns:a16="http://schemas.microsoft.com/office/drawing/2014/main" val="10006"/>
+                    <a16:rowId xmlns:a16="http://schemas.microsoft.com/office/drawing/2014/main" xmlns="" val="10006"/>
                   </a:ext>
                 </a:extLst>
               </a:tr>
@@ -24984,7 +25160,7 @@
                 </a:tc>
                 <a:extLst>
                   <a:ext uri="{0D108BD9-81ED-4DB2-BD59-A6C34878D82A}">
-                    <a16:rowId xmlns="" xmlns:a16="http://schemas.microsoft.com/office/drawing/2014/main" val="10007"/>
+                    <a16:rowId xmlns:a16="http://schemas.microsoft.com/office/drawing/2014/main" xmlns="" val="10007"/>
                   </a:ext>
                 </a:extLst>
               </a:tr>
@@ -25045,7 +25221,7 @@
                 </a:tc>
                 <a:extLst>
                   <a:ext uri="{0D108BD9-81ED-4DB2-BD59-A6C34878D82A}">
-                    <a16:rowId xmlns="" xmlns:a16="http://schemas.microsoft.com/office/drawing/2014/main" val="10008"/>
+                    <a16:rowId xmlns:a16="http://schemas.microsoft.com/office/drawing/2014/main" xmlns="" val="10008"/>
                   </a:ext>
                 </a:extLst>
               </a:tr>
@@ -25178,9 +25354,16 @@
   <p:clrMapOvr>
     <a:masterClrMapping/>
   </p:clrMapOvr>
-  <p:transition xmlns:p14="http://schemas.microsoft.com/office/powerpoint/2010/main" spd="slow">
+  <p:transition spd="slow">
     <p:fade/>
   </p:transition>
+  <p:timing>
+    <p:tnLst>
+      <p:par>
+        <p:cTn id="1" dur="indefinite" restart="never" nodeType="tmRoot"/>
+      </p:par>
+    </p:tnLst>
+  </p:timing>
 </p:sld>
 </file>
 
@@ -25331,309 +25514,20 @@
   <p:clrMapOvr>
     <a:masterClrMapping/>
   </p:clrMapOvr>
-  <p:transition xmlns:p14="http://schemas.microsoft.com/office/powerpoint/2010/main" spd="slow">
+  <p:transition spd="slow">
     <p:fade/>
   </p:transition>
+  <p:timing>
+    <p:tnLst>
+      <p:par>
+        <p:cTn id="1" dur="indefinite" restart="never" nodeType="tmRoot"/>
+      </p:par>
+    </p:tnLst>
+  </p:timing>
 </p:sld>
 </file>
 
 <file path=ppt/slides/slide15.xml><?xml version="1.0" encoding="utf-8"?>
-<p:sld xmlns:a="http://schemas.openxmlformats.org/drawingml/2006/main" xmlns:r="http://schemas.openxmlformats.org/officeDocument/2006/relationships" xmlns:p="http://schemas.openxmlformats.org/presentationml/2006/main">
-  <p:cSld>
-    <p:spTree>
-      <p:nvGrpSpPr>
-        <p:cNvPr id="1" name="Shape 244"/>
-        <p:cNvGrpSpPr/>
-        <p:nvPr/>
-      </p:nvGrpSpPr>
-      <p:grpSpPr>
-        <a:xfrm>
-          <a:off x="0" y="0"/>
-          <a:ext cx="0" cy="0"/>
-          <a:chOff x="0" y="0"/>
-          <a:chExt cx="0" cy="0"/>
-        </a:xfrm>
-      </p:grpSpPr>
-      <p:sp>
-        <p:nvSpPr>
-          <p:cNvPr id="245" name="Shape 245"/>
-          <p:cNvSpPr txBox="1">
-            <a:spLocks noGrp="1"/>
-          </p:cNvSpPr>
-          <p:nvPr>
-            <p:ph type="title"/>
-          </p:nvPr>
-        </p:nvSpPr>
-        <p:spPr>
-          <a:xfrm>
-            <a:off x="646110" y="452718"/>
-            <a:ext cx="9404723" cy="1400530"/>
-          </a:xfrm>
-          <a:prstGeom prst="rect">
-            <a:avLst/>
-          </a:prstGeom>
-          <a:noFill/>
-          <a:ln>
-            <a:noFill/>
-          </a:ln>
-        </p:spPr>
-        <p:txBody>
-          <a:bodyPr lIns="91425" tIns="45700" rIns="91425" bIns="45700" anchor="t" anchorCtr="0">
-            <a:noAutofit/>
-          </a:bodyPr>
-          <a:lstStyle/>
-          <a:p>
-            <a:pPr marL="0" marR="0" lvl="0" indent="0" algn="l" rtl="0">
-              <a:spcBef>
-                <a:spcPts val="0"/>
-              </a:spcBef>
-              <a:buClr>
-                <a:schemeClr val="lt2"/>
-              </a:buClr>
-              <a:buSzPct val="25000"/>
-              <a:buFont typeface="Century Gothic"/>
-              <a:buNone/>
-            </a:pPr>
-            <a:r>
-              <a:rPr lang="en-US" sz="4200" b="0" i="0" u="none" strike="noStrike" cap="none" dirty="0">
-                <a:solidFill>
-                  <a:schemeClr val="lt2"/>
-                </a:solidFill>
-                <a:latin typeface="Century Gothic"/>
-                <a:ea typeface="Century Gothic"/>
-                <a:cs typeface="Century Gothic"/>
-                <a:sym typeface="Century Gothic"/>
-              </a:rPr>
-              <a:t>Analysis</a:t>
-            </a:r>
-          </a:p>
-        </p:txBody>
-      </p:sp>
-      <p:sp>
-        <p:nvSpPr>
-          <p:cNvPr id="246" name="Shape 246"/>
-          <p:cNvSpPr txBox="1">
-            <a:spLocks noGrp="1"/>
-          </p:cNvSpPr>
-          <p:nvPr>
-            <p:ph type="body" idx="1"/>
-          </p:nvPr>
-        </p:nvSpPr>
-        <p:spPr>
-          <a:xfrm>
-            <a:off x="646110" y="1349533"/>
-            <a:ext cx="8946541" cy="1337395"/>
-          </a:xfrm>
-          <a:prstGeom prst="rect">
-            <a:avLst/>
-          </a:prstGeom>
-          <a:noFill/>
-          <a:ln>
-            <a:noFill/>
-          </a:ln>
-        </p:spPr>
-        <p:txBody>
-          <a:bodyPr lIns="91425" tIns="45700" rIns="91425" bIns="45700" anchor="t" anchorCtr="0">
-            <a:noAutofit/>
-          </a:bodyPr>
-          <a:lstStyle/>
-          <a:p>
-            <a:pPr marL="342900" marR="0" lvl="0" indent="-342900" algn="l" rtl="0">
-              <a:spcBef>
-                <a:spcPts val="0"/>
-              </a:spcBef>
-              <a:spcAft>
-                <a:spcPts val="0"/>
-              </a:spcAft>
-              <a:buClr>
-                <a:srgbClr val="86D1D8"/>
-              </a:buClr>
-              <a:buSzPct val="80000"/>
-              <a:buFont typeface="Noto Sans Symbols"/>
-              <a:buChar char="▶"/>
-            </a:pPr>
-            <a:r>
-              <a:rPr lang="en-US" sz="2000" b="1" i="0" u="none" strike="noStrike" cap="none" dirty="0">
-                <a:solidFill>
-                  <a:schemeClr val="lt1"/>
-                </a:solidFill>
-                <a:latin typeface="Century Gothic"/>
-                <a:ea typeface="Century Gothic"/>
-                <a:cs typeface="Century Gothic"/>
-                <a:sym typeface="Century Gothic"/>
-              </a:rPr>
-              <a:t>How does the national holidays impact the bike ride counts?</a:t>
-            </a:r>
-          </a:p>
-          <a:p>
-            <a:pPr marL="742950" marR="0" lvl="1" indent="-285750" algn="l" rtl="0">
-              <a:spcBef>
-                <a:spcPts val="1000"/>
-              </a:spcBef>
-              <a:spcAft>
-                <a:spcPts val="0"/>
-              </a:spcAft>
-              <a:buClr>
-                <a:srgbClr val="86D1D8"/>
-              </a:buClr>
-              <a:buSzPct val="79999"/>
-              <a:buFont typeface="Noto Sans Symbols"/>
-              <a:buChar char="▶"/>
-            </a:pPr>
-            <a:r>
-              <a:rPr lang="en-US" sz="1800" b="0" i="0" u="none" strike="noStrike" cap="none" dirty="0">
-                <a:solidFill>
-                  <a:schemeClr val="lt1"/>
-                </a:solidFill>
-                <a:latin typeface="Century Gothic"/>
-                <a:ea typeface="Century Gothic"/>
-                <a:cs typeface="Century Gothic"/>
-                <a:sym typeface="Century Gothic"/>
-              </a:rPr>
-              <a:t>IV – DC Holiday Dates</a:t>
-            </a:r>
-          </a:p>
-          <a:p>
-            <a:pPr marL="742950" marR="0" lvl="1" indent="-285750" algn="l" rtl="0">
-              <a:spcBef>
-                <a:spcPts val="1000"/>
-              </a:spcBef>
-              <a:spcAft>
-                <a:spcPts val="0"/>
-              </a:spcAft>
-              <a:buClr>
-                <a:srgbClr val="86D1D8"/>
-              </a:buClr>
-              <a:buSzPct val="79999"/>
-              <a:buFont typeface="Noto Sans Symbols"/>
-              <a:buChar char="▶"/>
-            </a:pPr>
-            <a:r>
-              <a:rPr lang="en-US" sz="1800" b="0" i="0" u="none" strike="noStrike" cap="none" dirty="0">
-                <a:solidFill>
-                  <a:schemeClr val="lt1"/>
-                </a:solidFill>
-                <a:latin typeface="Century Gothic"/>
-                <a:ea typeface="Century Gothic"/>
-                <a:cs typeface="Century Gothic"/>
-                <a:sym typeface="Century Gothic"/>
-              </a:rPr>
-              <a:t>DV – Bike Ride Count</a:t>
-            </a:r>
-          </a:p>
-          <a:p>
-            <a:pPr marL="742950" marR="0" lvl="1" indent="-285750" algn="l" rtl="0">
-              <a:spcBef>
-                <a:spcPts val="1000"/>
-              </a:spcBef>
-              <a:spcAft>
-                <a:spcPts val="0"/>
-              </a:spcAft>
-              <a:buClr>
-                <a:srgbClr val="86D1D8"/>
-              </a:buClr>
-              <a:buSzPct val="79999"/>
-              <a:buFont typeface="Noto Sans Symbols"/>
-              <a:buNone/>
-            </a:pPr>
-            <a:endParaRPr sz="1800" b="0" i="0" u="none" strike="noStrike" cap="none" dirty="0">
-              <a:solidFill>
-                <a:schemeClr val="lt1"/>
-              </a:solidFill>
-              <a:latin typeface="Century Gothic"/>
-              <a:ea typeface="Century Gothic"/>
-              <a:cs typeface="Century Gothic"/>
-              <a:sym typeface="Century Gothic"/>
-            </a:endParaRPr>
-          </a:p>
-        </p:txBody>
-      </p:sp>
-      <p:pic>
-        <p:nvPicPr>
-          <p:cNvPr id="247" name="Shape 247"/>
-          <p:cNvPicPr preferRelativeResize="0"/>
-          <p:nvPr/>
-        </p:nvPicPr>
-        <p:blipFill rotWithShape="1">
-          <a:blip r:embed="rId3">
-            <a:alphaModFix/>
-          </a:blip>
-          <a:srcRect r="13691" b="5496"/>
-          <a:stretch/>
-        </p:blipFill>
-        <p:spPr>
-          <a:xfrm>
-            <a:off x="5107025" y="1853250"/>
-            <a:ext cx="6647400" cy="4734900"/>
-          </a:xfrm>
-          <a:prstGeom prst="rect">
-            <a:avLst/>
-          </a:prstGeom>
-          <a:noFill/>
-          <a:ln>
-            <a:noFill/>
-          </a:ln>
-        </p:spPr>
-      </p:pic>
-      <p:sp>
-        <p:nvSpPr>
-          <p:cNvPr id="248" name="Shape 248"/>
-          <p:cNvSpPr txBox="1"/>
-          <p:nvPr/>
-        </p:nvSpPr>
-        <p:spPr>
-          <a:xfrm>
-            <a:off x="646110" y="3583746"/>
-            <a:ext cx="3992149" cy="1938991"/>
-          </a:xfrm>
-          <a:prstGeom prst="rect">
-            <a:avLst/>
-          </a:prstGeom>
-          <a:noFill/>
-          <a:ln>
-            <a:noFill/>
-          </a:ln>
-        </p:spPr>
-        <p:txBody>
-          <a:bodyPr lIns="91425" tIns="45700" rIns="91425" bIns="45700" anchor="t" anchorCtr="0">
-            <a:noAutofit/>
-          </a:bodyPr>
-          <a:lstStyle/>
-          <a:p>
-            <a:pPr marL="0" marR="0" lvl="0" indent="0" algn="just" rtl="0">
-              <a:spcBef>
-                <a:spcPts val="0"/>
-              </a:spcBef>
-              <a:buSzPct val="25000"/>
-              <a:buNone/>
-            </a:pPr>
-            <a:r>
-              <a:rPr lang="en-US" sz="2000" dirty="0">
-                <a:solidFill>
-                  <a:schemeClr val="lt1"/>
-                </a:solidFill>
-                <a:latin typeface="Century Gothic"/>
-                <a:ea typeface="Century Gothic"/>
-                <a:cs typeface="Century Gothic"/>
-                <a:sym typeface="Century Gothic"/>
-              </a:rPr>
-              <a:t>As seen in the graph, it is surprising that the number of ridership on holiday is smaller than the number on non-holiday, contrary to our expectations.</a:t>
-            </a:r>
-          </a:p>
-        </p:txBody>
-      </p:sp>
-    </p:spTree>
-  </p:cSld>
-  <p:clrMapOvr>
-    <a:masterClrMapping/>
-  </p:clrMapOvr>
-  <p:transition xmlns:p14="http://schemas.microsoft.com/office/powerpoint/2010/main" spd="slow">
-    <p:fade/>
-  </p:transition>
-</p:sld>
-</file>
-
-<file path=ppt/slides/slide16.xml><?xml version="1.0" encoding="utf-8"?>
 <p:sld xmlns:a="http://schemas.openxmlformats.org/drawingml/2006/main" xmlns:r="http://schemas.openxmlformats.org/officeDocument/2006/relationships" xmlns:p="http://schemas.openxmlformats.org/presentationml/2006/main">
   <p:cSld>
     <p:spTree>
@@ -25709,11 +25603,17 @@
         <p:nvGraphicFramePr>
           <p:cNvPr id="254" name="Shape 254"/>
           <p:cNvGraphicFramePr/>
-          <p:nvPr/>
+          <p:nvPr>
+            <p:extLst>
+              <p:ext uri="{D42A27DB-BD31-4B8C-83A1-F6EECF244321}">
+                <p14:modId xmlns:p14="http://schemas.microsoft.com/office/powerpoint/2010/main" val="3850147301"/>
+              </p:ext>
+            </p:extLst>
+          </p:nvPr>
         </p:nvGraphicFramePr>
         <p:xfrm>
-          <a:off x="646110" y="2400278"/>
-          <a:ext cx="10764075" cy="2404109"/>
+          <a:off x="646047" y="2999415"/>
+          <a:ext cx="10764075" cy="2404110"/>
         </p:xfrm>
         <a:graphic>
           <a:graphicData uri="http://schemas.openxmlformats.org/drawingml/2006/table">
@@ -25726,77 +25626,77 @@
                 <a:gridCol w="891150">
                   <a:extLst>
                     <a:ext uri="{9D8B030D-6E8A-4147-A177-3AD203B41FA5}">
-                      <a16:colId xmlns="" xmlns:a16="http://schemas.microsoft.com/office/drawing/2014/main" val="20000"/>
+                      <a16:colId xmlns:a16="http://schemas.microsoft.com/office/drawing/2014/main" xmlns="" val="20000"/>
                     </a:ext>
                   </a:extLst>
                 </a:gridCol>
                 <a:gridCol w="1808525">
                   <a:extLst>
                     <a:ext uri="{9D8B030D-6E8A-4147-A177-3AD203B41FA5}">
-                      <a16:colId xmlns="" xmlns:a16="http://schemas.microsoft.com/office/drawing/2014/main" val="20001"/>
+                      <a16:colId xmlns:a16="http://schemas.microsoft.com/office/drawing/2014/main" xmlns="" val="20001"/>
                     </a:ext>
                   </a:extLst>
                 </a:gridCol>
                 <a:gridCol w="1038325">
                   <a:extLst>
                     <a:ext uri="{9D8B030D-6E8A-4147-A177-3AD203B41FA5}">
-                      <a16:colId xmlns="" xmlns:a16="http://schemas.microsoft.com/office/drawing/2014/main" val="20002"/>
+                      <a16:colId xmlns:a16="http://schemas.microsoft.com/office/drawing/2014/main" xmlns="" val="20002"/>
                     </a:ext>
                   </a:extLst>
                 </a:gridCol>
                 <a:gridCol w="1038325">
                   <a:extLst>
                     <a:ext uri="{9D8B030D-6E8A-4147-A177-3AD203B41FA5}">
-                      <a16:colId xmlns="" xmlns:a16="http://schemas.microsoft.com/office/drawing/2014/main" val="20003"/>
+                      <a16:colId xmlns:a16="http://schemas.microsoft.com/office/drawing/2014/main" xmlns="" val="20003"/>
                     </a:ext>
                   </a:extLst>
                 </a:gridCol>
                 <a:gridCol w="726600">
                   <a:extLst>
                     <a:ext uri="{9D8B030D-6E8A-4147-A177-3AD203B41FA5}">
-                      <a16:colId xmlns="" xmlns:a16="http://schemas.microsoft.com/office/drawing/2014/main" val="20004"/>
+                      <a16:colId xmlns:a16="http://schemas.microsoft.com/office/drawing/2014/main" xmlns="" val="20004"/>
                     </a:ext>
                   </a:extLst>
                 </a:gridCol>
                 <a:gridCol w="715625">
                   <a:extLst>
                     <a:ext uri="{9D8B030D-6E8A-4147-A177-3AD203B41FA5}">
-                      <a16:colId xmlns="" xmlns:a16="http://schemas.microsoft.com/office/drawing/2014/main" val="20005"/>
+                      <a16:colId xmlns:a16="http://schemas.microsoft.com/office/drawing/2014/main" xmlns="" val="20005"/>
                     </a:ext>
                   </a:extLst>
                 </a:gridCol>
                 <a:gridCol w="821625">
                   <a:extLst>
                     <a:ext uri="{9D8B030D-6E8A-4147-A177-3AD203B41FA5}">
-                      <a16:colId xmlns="" xmlns:a16="http://schemas.microsoft.com/office/drawing/2014/main" val="20006"/>
+                      <a16:colId xmlns:a16="http://schemas.microsoft.com/office/drawing/2014/main" xmlns="" val="20006"/>
                     </a:ext>
                   </a:extLst>
                 </a:gridCol>
                 <a:gridCol w="1007175">
                   <a:extLst>
                     <a:ext uri="{9D8B030D-6E8A-4147-A177-3AD203B41FA5}">
-                      <a16:colId xmlns="" xmlns:a16="http://schemas.microsoft.com/office/drawing/2014/main" val="20007"/>
+                      <a16:colId xmlns:a16="http://schemas.microsoft.com/office/drawing/2014/main" xmlns="" val="20007"/>
                     </a:ext>
                   </a:extLst>
                 </a:gridCol>
                 <a:gridCol w="1055375">
                   <a:extLst>
                     <a:ext uri="{9D8B030D-6E8A-4147-A177-3AD203B41FA5}">
-                      <a16:colId xmlns="" xmlns:a16="http://schemas.microsoft.com/office/drawing/2014/main" val="20008"/>
+                      <a16:colId xmlns:a16="http://schemas.microsoft.com/office/drawing/2014/main" xmlns="" val="20008"/>
                     </a:ext>
                   </a:extLst>
                 </a:gridCol>
                 <a:gridCol w="830675">
                   <a:extLst>
                     <a:ext uri="{9D8B030D-6E8A-4147-A177-3AD203B41FA5}">
-                      <a16:colId xmlns="" xmlns:a16="http://schemas.microsoft.com/office/drawing/2014/main" val="20009"/>
+                      <a16:colId xmlns:a16="http://schemas.microsoft.com/office/drawing/2014/main" xmlns="" val="20009"/>
                     </a:ext>
                   </a:extLst>
                 </a:gridCol>
                 <a:gridCol w="830675">
                   <a:extLst>
                     <a:ext uri="{9D8B030D-6E8A-4147-A177-3AD203B41FA5}">
-                      <a16:colId xmlns="" xmlns:a16="http://schemas.microsoft.com/office/drawing/2014/main" val="20010"/>
+                      <a16:colId xmlns:a16="http://schemas.microsoft.com/office/drawing/2014/main" xmlns="" val="20010"/>
                     </a:ext>
                   </a:extLst>
                 </a:gridCol>
@@ -25961,7 +25861,7 @@
                 </a:tc>
                 <a:extLst>
                   <a:ext uri="{0D108BD9-81ED-4DB2-BD59-A6C34878D82A}">
-                    <a16:rowId xmlns="" xmlns:a16="http://schemas.microsoft.com/office/drawing/2014/main" val="10000"/>
+                    <a16:rowId xmlns:a16="http://schemas.microsoft.com/office/drawing/2014/main" xmlns="" val="10000"/>
                   </a:ext>
                 </a:extLst>
               </a:tr>
@@ -26223,7 +26123,7 @@
                 </a:tc>
                 <a:extLst>
                   <a:ext uri="{0D108BD9-81ED-4DB2-BD59-A6C34878D82A}">
-                    <a16:rowId xmlns="" xmlns:a16="http://schemas.microsoft.com/office/drawing/2014/main" val="10001"/>
+                    <a16:rowId xmlns:a16="http://schemas.microsoft.com/office/drawing/2014/main" xmlns="" val="10001"/>
                   </a:ext>
                 </a:extLst>
               </a:tr>
@@ -26723,7 +26623,7 @@
                 </a:tc>
                 <a:extLst>
                   <a:ext uri="{0D108BD9-81ED-4DB2-BD59-A6C34878D82A}">
-                    <a16:rowId xmlns="" xmlns:a16="http://schemas.microsoft.com/office/drawing/2014/main" val="10002"/>
+                    <a16:rowId xmlns:a16="http://schemas.microsoft.com/office/drawing/2014/main" xmlns="" val="10002"/>
                   </a:ext>
                 </a:extLst>
               </a:tr>
@@ -26934,7 +26834,7 @@
                 </a:tc>
                 <a:extLst>
                   <a:ext uri="{0D108BD9-81ED-4DB2-BD59-A6C34878D82A}">
-                    <a16:rowId xmlns="" xmlns:a16="http://schemas.microsoft.com/office/drawing/2014/main" val="10003"/>
+                    <a16:rowId xmlns:a16="http://schemas.microsoft.com/office/drawing/2014/main" xmlns="" val="10003"/>
                   </a:ext>
                 </a:extLst>
               </a:tr>
@@ -27568,7 +27468,7 @@
                 </a:tc>
                 <a:extLst>
                   <a:ext uri="{0D108BD9-81ED-4DB2-BD59-A6C34878D82A}">
-                    <a16:rowId xmlns="" xmlns:a16="http://schemas.microsoft.com/office/drawing/2014/main" val="10004"/>
+                    <a16:rowId xmlns:a16="http://schemas.microsoft.com/office/drawing/2014/main" xmlns="" val="10004"/>
                   </a:ext>
                 </a:extLst>
               </a:tr>
@@ -28155,7 +28055,7 @@
                 </a:tc>
                 <a:extLst>
                   <a:ext uri="{0D108BD9-81ED-4DB2-BD59-A6C34878D82A}">
-                    <a16:rowId xmlns="" xmlns:a16="http://schemas.microsoft.com/office/drawing/2014/main" val="10005"/>
+                    <a16:rowId xmlns:a16="http://schemas.microsoft.com/office/drawing/2014/main" xmlns="" val="10005"/>
                   </a:ext>
                 </a:extLst>
               </a:tr>
@@ -28171,7 +28071,7 @@
         </p:nvSpPr>
         <p:spPr>
           <a:xfrm>
-            <a:off x="646110" y="1853248"/>
+            <a:off x="814552" y="2502262"/>
             <a:ext cx="9967793" cy="369332"/>
           </a:xfrm>
           <a:prstGeom prst="rect">
@@ -28218,7 +28118,7 @@
         </p:nvSpPr>
         <p:spPr>
           <a:xfrm>
-            <a:off x="646110" y="4982087"/>
+            <a:off x="646110" y="5716013"/>
             <a:ext cx="10764012" cy="646331"/>
           </a:xfrm>
           <a:prstGeom prst="rect">
@@ -28257,12 +28157,313 @@
           </a:p>
         </p:txBody>
       </p:sp>
+      <p:sp>
+        <p:nvSpPr>
+          <p:cNvPr id="6" name="Shape 246"/>
+          <p:cNvSpPr txBox="1">
+            <a:spLocks noGrp="1"/>
+          </p:cNvSpPr>
+          <p:nvPr>
+            <p:ph type="body" idx="1"/>
+          </p:nvPr>
+        </p:nvSpPr>
+        <p:spPr>
+          <a:xfrm>
+            <a:off x="646110" y="1349533"/>
+            <a:ext cx="8946541" cy="1337395"/>
+          </a:xfrm>
+          <a:prstGeom prst="rect">
+            <a:avLst/>
+          </a:prstGeom>
+          <a:noFill/>
+          <a:ln>
+            <a:noFill/>
+          </a:ln>
+        </p:spPr>
+        <p:txBody>
+          <a:bodyPr lIns="91425" tIns="45700" rIns="91425" bIns="45700" anchor="t" anchorCtr="0">
+            <a:noAutofit/>
+          </a:bodyPr>
+          <a:lstStyle/>
+          <a:p>
+            <a:pPr marL="342900" marR="0" lvl="0" indent="-342900" algn="l" rtl="0">
+              <a:spcBef>
+                <a:spcPts val="0"/>
+              </a:spcBef>
+              <a:spcAft>
+                <a:spcPts val="0"/>
+              </a:spcAft>
+              <a:buClr>
+                <a:srgbClr val="86D1D8"/>
+              </a:buClr>
+              <a:buSzPct val="80000"/>
+              <a:buFont typeface="Noto Sans Symbols"/>
+              <a:buChar char="▶"/>
+            </a:pPr>
+            <a:r>
+              <a:rPr lang="en-US" sz="2000" b="1" i="0" u="none" strike="noStrike" cap="none" dirty="0">
+                <a:solidFill>
+                  <a:schemeClr val="lt1"/>
+                </a:solidFill>
+                <a:latin typeface="Century Gothic"/>
+                <a:ea typeface="Century Gothic"/>
+                <a:cs typeface="Century Gothic"/>
+                <a:sym typeface="Century Gothic"/>
+              </a:rPr>
+              <a:t>How does the national holidays impact the bike ride counts?</a:t>
+            </a:r>
+          </a:p>
+          <a:p>
+            <a:pPr marL="742950" marR="0" lvl="1" indent="-285750" algn="l" rtl="0">
+              <a:spcBef>
+                <a:spcPts val="1000"/>
+              </a:spcBef>
+              <a:spcAft>
+                <a:spcPts val="0"/>
+              </a:spcAft>
+              <a:buClr>
+                <a:srgbClr val="86D1D8"/>
+              </a:buClr>
+              <a:buSzPct val="79999"/>
+              <a:buFont typeface="Noto Sans Symbols"/>
+              <a:buChar char="▶"/>
+            </a:pPr>
+            <a:r>
+              <a:rPr lang="en-US" sz="1800" b="0" i="0" u="none" strike="noStrike" cap="none" dirty="0">
+                <a:solidFill>
+                  <a:schemeClr val="lt1"/>
+                </a:solidFill>
+                <a:latin typeface="Century Gothic"/>
+                <a:ea typeface="Century Gothic"/>
+                <a:cs typeface="Century Gothic"/>
+                <a:sym typeface="Century Gothic"/>
+              </a:rPr>
+              <a:t>IV – DC Holiday Dates</a:t>
+            </a:r>
+          </a:p>
+          <a:p>
+            <a:pPr marL="742950" marR="0" lvl="1" indent="-285750" algn="l" rtl="0">
+              <a:spcBef>
+                <a:spcPts val="1000"/>
+              </a:spcBef>
+              <a:spcAft>
+                <a:spcPts val="0"/>
+              </a:spcAft>
+              <a:buClr>
+                <a:srgbClr val="86D1D8"/>
+              </a:buClr>
+              <a:buSzPct val="79999"/>
+              <a:buFont typeface="Noto Sans Symbols"/>
+              <a:buChar char="▶"/>
+            </a:pPr>
+            <a:r>
+              <a:rPr lang="en-US" sz="1800" b="0" i="0" u="none" strike="noStrike" cap="none" dirty="0">
+                <a:solidFill>
+                  <a:schemeClr val="lt1"/>
+                </a:solidFill>
+                <a:latin typeface="Century Gothic"/>
+                <a:ea typeface="Century Gothic"/>
+                <a:cs typeface="Century Gothic"/>
+                <a:sym typeface="Century Gothic"/>
+              </a:rPr>
+              <a:t>DV – Bike Ride Count</a:t>
+            </a:r>
+          </a:p>
+          <a:p>
+            <a:pPr marL="742950" marR="0" lvl="1" indent="-285750" algn="l" rtl="0">
+              <a:spcBef>
+                <a:spcPts val="1000"/>
+              </a:spcBef>
+              <a:spcAft>
+                <a:spcPts val="0"/>
+              </a:spcAft>
+              <a:buClr>
+                <a:srgbClr val="86D1D8"/>
+              </a:buClr>
+              <a:buSzPct val="79999"/>
+              <a:buFont typeface="Noto Sans Symbols"/>
+              <a:buNone/>
+            </a:pPr>
+            <a:endParaRPr sz="1800" b="0" i="0" u="none" strike="noStrike" cap="none" dirty="0">
+              <a:solidFill>
+                <a:schemeClr val="lt1"/>
+              </a:solidFill>
+              <a:latin typeface="Century Gothic"/>
+              <a:ea typeface="Century Gothic"/>
+              <a:cs typeface="Century Gothic"/>
+              <a:sym typeface="Century Gothic"/>
+            </a:endParaRPr>
+          </a:p>
+        </p:txBody>
+      </p:sp>
+    </p:spTree>
+    <p:extLst>
+      <p:ext uri="{BB962C8B-B14F-4D97-AF65-F5344CB8AC3E}">
+        <p14:creationId xmlns:p14="http://schemas.microsoft.com/office/powerpoint/2010/main" val="202943807"/>
+      </p:ext>
+    </p:extLst>
+  </p:cSld>
+  <p:clrMapOvr>
+    <a:masterClrMapping/>
+  </p:clrMapOvr>
+  <p:transition spd="slow">
+    <p:fade/>
+  </p:transition>
+</p:sld>
+</file>
+
+<file path=ppt/slides/slide16.xml><?xml version="1.0" encoding="utf-8"?>
+<p:sld xmlns:a="http://schemas.openxmlformats.org/drawingml/2006/main" xmlns:r="http://schemas.openxmlformats.org/officeDocument/2006/relationships" xmlns:p="http://schemas.openxmlformats.org/presentationml/2006/main">
+  <p:cSld>
+    <p:spTree>
+      <p:nvGrpSpPr>
+        <p:cNvPr id="1" name="Shape 244"/>
+        <p:cNvGrpSpPr/>
+        <p:nvPr/>
+      </p:nvGrpSpPr>
+      <p:grpSpPr>
+        <a:xfrm>
+          <a:off x="0" y="0"/>
+          <a:ext cx="0" cy="0"/>
+          <a:chOff x="0" y="0"/>
+          <a:chExt cx="0" cy="0"/>
+        </a:xfrm>
+      </p:grpSpPr>
+      <p:sp>
+        <p:nvSpPr>
+          <p:cNvPr id="245" name="Shape 245"/>
+          <p:cNvSpPr txBox="1">
+            <a:spLocks noGrp="1"/>
+          </p:cNvSpPr>
+          <p:nvPr>
+            <p:ph type="title"/>
+          </p:nvPr>
+        </p:nvSpPr>
+        <p:spPr>
+          <a:xfrm>
+            <a:off x="646110" y="452718"/>
+            <a:ext cx="9404723" cy="1400530"/>
+          </a:xfrm>
+          <a:prstGeom prst="rect">
+            <a:avLst/>
+          </a:prstGeom>
+          <a:noFill/>
+          <a:ln>
+            <a:noFill/>
+          </a:ln>
+        </p:spPr>
+        <p:txBody>
+          <a:bodyPr lIns="91425" tIns="45700" rIns="91425" bIns="45700" anchor="t" anchorCtr="0">
+            <a:noAutofit/>
+          </a:bodyPr>
+          <a:lstStyle/>
+          <a:p>
+            <a:pPr marL="0" marR="0" lvl="0" indent="0" algn="l" rtl="0">
+              <a:spcBef>
+                <a:spcPts val="0"/>
+              </a:spcBef>
+              <a:buClr>
+                <a:schemeClr val="lt2"/>
+              </a:buClr>
+              <a:buSzPct val="25000"/>
+              <a:buFont typeface="Century Gothic"/>
+              <a:buNone/>
+            </a:pPr>
+            <a:r>
+              <a:rPr lang="en-US" sz="4200" b="0" i="0" u="none" strike="noStrike" cap="none" dirty="0">
+                <a:solidFill>
+                  <a:schemeClr val="lt2"/>
+                </a:solidFill>
+                <a:latin typeface="Century Gothic"/>
+                <a:ea typeface="Century Gothic"/>
+                <a:cs typeface="Century Gothic"/>
+                <a:sym typeface="Century Gothic"/>
+              </a:rPr>
+              <a:t>Analysis</a:t>
+            </a:r>
+          </a:p>
+        </p:txBody>
+      </p:sp>
+      <p:pic>
+        <p:nvPicPr>
+          <p:cNvPr id="247" name="Shape 247"/>
+          <p:cNvPicPr preferRelativeResize="0"/>
+          <p:nvPr/>
+        </p:nvPicPr>
+        <p:blipFill rotWithShape="1">
+          <a:blip r:embed="rId3">
+            <a:alphaModFix/>
+          </a:blip>
+          <a:srcRect r="13691" b="5496"/>
+          <a:stretch/>
+        </p:blipFill>
+        <p:spPr>
+          <a:xfrm>
+            <a:off x="5094994" y="1636682"/>
+            <a:ext cx="6647400" cy="4734900"/>
+          </a:xfrm>
+          <a:prstGeom prst="rect">
+            <a:avLst/>
+          </a:prstGeom>
+          <a:noFill/>
+          <a:ln>
+            <a:noFill/>
+          </a:ln>
+        </p:spPr>
+      </p:pic>
+      <p:sp>
+        <p:nvSpPr>
+          <p:cNvPr id="248" name="Shape 248"/>
+          <p:cNvSpPr txBox="1"/>
+          <p:nvPr/>
+        </p:nvSpPr>
+        <p:spPr>
+          <a:xfrm>
+            <a:off x="646110" y="2880371"/>
+            <a:ext cx="3992149" cy="1938991"/>
+          </a:xfrm>
+          <a:prstGeom prst="rect">
+            <a:avLst/>
+          </a:prstGeom>
+          <a:noFill/>
+          <a:ln>
+            <a:noFill/>
+          </a:ln>
+        </p:spPr>
+        <p:txBody>
+          <a:bodyPr lIns="91425" tIns="45700" rIns="91425" bIns="45700" anchor="t" anchorCtr="0">
+            <a:noAutofit/>
+          </a:bodyPr>
+          <a:lstStyle/>
+          <a:p>
+            <a:pPr marL="0" marR="0" lvl="0" indent="0" algn="just" rtl="0">
+              <a:spcBef>
+                <a:spcPts val="0"/>
+              </a:spcBef>
+              <a:buSzPct val="25000"/>
+              <a:buNone/>
+            </a:pPr>
+            <a:r>
+              <a:rPr lang="en-US" sz="2000" dirty="0">
+                <a:solidFill>
+                  <a:schemeClr val="lt1"/>
+                </a:solidFill>
+                <a:latin typeface="Century Gothic"/>
+                <a:ea typeface="Century Gothic"/>
+                <a:cs typeface="Century Gothic"/>
+                <a:sym typeface="Century Gothic"/>
+              </a:rPr>
+              <a:t>As seen in the graph, it is surprising that the number of ridership on holiday is smaller than the number on non-holiday, contrary to our expectations.</a:t>
+            </a:r>
+          </a:p>
+        </p:txBody>
+      </p:sp>
     </p:spTree>
   </p:cSld>
   <p:clrMapOvr>
     <a:masterClrMapping/>
   </p:clrMapOvr>
-  <p:transition xmlns:p14="http://schemas.microsoft.com/office/powerpoint/2010/main" spd="slow">
+  <p:transition spd="slow">
     <p:fade/>
   </p:transition>
 </p:sld>
@@ -28326,17 +28527,18 @@
               <a:buNone/>
             </a:pPr>
             <a:r>
-              <a:rPr lang="en-US" sz="4200" b="0" i="0" u="none" strike="noStrike" cap="none" dirty="0">
-                <a:solidFill>
-                  <a:schemeClr val="lt2"/>
-                </a:solidFill>
-                <a:latin typeface="Century Gothic"/>
-                <a:ea typeface="Century Gothic"/>
-                <a:cs typeface="Century Gothic"/>
-                <a:sym typeface="Century Gothic"/>
-              </a:rPr>
+              <a:rPr lang="en-US" dirty="0" smtClean="0"/>
               <a:t>Assumptions</a:t>
             </a:r>
+            <a:endParaRPr lang="en-US" sz="4200" b="0" i="0" u="none" strike="noStrike" cap="none" dirty="0">
+              <a:solidFill>
+                <a:schemeClr val="lt2"/>
+              </a:solidFill>
+              <a:latin typeface="Century Gothic"/>
+              <a:ea typeface="Century Gothic"/>
+              <a:cs typeface="Century Gothic"/>
+              <a:sym typeface="Century Gothic"/>
+            </a:endParaRPr>
           </a:p>
         </p:txBody>
       </p:sp>
@@ -28456,7 +28658,7 @@
   <p:clrMapOvr>
     <a:masterClrMapping/>
   </p:clrMapOvr>
-  <p:transition xmlns:p14="http://schemas.microsoft.com/office/powerpoint/2010/main" spd="slow">
+  <p:transition spd="slow">
     <p:fade/>
   </p:transition>
 </p:sld>
@@ -29040,7 +29242,7 @@
   <p:clrMapOvr>
     <a:masterClrMapping/>
   </p:clrMapOvr>
-  <p:transition xmlns:p14="http://schemas.microsoft.com/office/powerpoint/2010/main" spd="slow">
+  <p:transition spd="slow">
     <p:fade/>
   </p:transition>
 </p:sld>
@@ -29384,7 +29586,7 @@
   <p:clrMapOvr>
     <a:masterClrMapping/>
   </p:clrMapOvr>
-  <p:transition xmlns:p14="http://schemas.microsoft.com/office/powerpoint/2010/main" spd="slow">
+  <p:transition spd="slow">
     <p:fade/>
   </p:transition>
 </p:sld>
@@ -29641,7 +29843,7 @@
   <p:clrMapOvr>
     <a:masterClrMapping/>
   </p:clrMapOvr>
-  <p:transition xmlns:p14="http://schemas.microsoft.com/office/powerpoint/2010/main" spd="slow">
+  <p:transition spd="slow">
     <p:fade/>
   </p:transition>
 </p:sld>
@@ -29921,7 +30123,7 @@
   <p:clrMapOvr>
     <a:masterClrMapping/>
   </p:clrMapOvr>
-  <p:transition xmlns:p14="http://schemas.microsoft.com/office/powerpoint/2010/main" spd="slow">
+  <p:transition spd="slow">
     <p:fade/>
   </p:transition>
 </p:sld>
@@ -30062,7 +30264,7 @@
   <p:clrMapOvr>
     <a:masterClrMapping/>
   </p:clrMapOvr>
-  <p:transition xmlns:p14="http://schemas.microsoft.com/office/powerpoint/2010/main" spd="slow">
+  <p:transition spd="slow">
     <p:fade/>
   </p:transition>
 </p:sld>
@@ -30343,7 +30545,7 @@
   <p:clrMapOvr>
     <a:masterClrMapping/>
   </p:clrMapOvr>
-  <p:transition xmlns:p14="http://schemas.microsoft.com/office/powerpoint/2010/main" spd="slow">
+  <p:transition spd="slow">
     <p:fade/>
   </p:transition>
 </p:sld>
@@ -30736,7 +30938,7 @@
   <p:clrMapOvr>
     <a:masterClrMapping/>
   </p:clrMapOvr>
-  <p:transition xmlns:p14="http://schemas.microsoft.com/office/powerpoint/2010/main" spd="slow">
+  <p:transition spd="slow">
     <p:fade/>
   </p:transition>
 </p:sld>
@@ -31098,7 +31300,7 @@
   <p:clrMapOvr>
     <a:masterClrMapping/>
   </p:clrMapOvr>
-  <p:transition xmlns:p14="http://schemas.microsoft.com/office/powerpoint/2010/main" spd="slow">
+  <p:transition spd="slow">
     <p:fade/>
   </p:transition>
 </p:sld>
@@ -31460,7 +31662,7 @@
   <p:clrMapOvr>
     <a:masterClrMapping/>
   </p:clrMapOvr>
-  <p:transition xmlns:p14="http://schemas.microsoft.com/office/powerpoint/2010/main" spd="slow">
+  <p:transition spd="slow">
     <p:fade/>
   </p:transition>
 </p:sld>
@@ -31645,7 +31847,7 @@
   <p:clrMapOvr>
     <a:masterClrMapping/>
   </p:clrMapOvr>
-  <p:transition xmlns:p14="http://schemas.microsoft.com/office/powerpoint/2010/main" spd="slow">
+  <p:transition spd="slow">
     <p:fade/>
   </p:transition>
 </p:sld>
@@ -31771,21 +31973,21 @@
                 <a:gridCol w="1315825">
                   <a:extLst>
                     <a:ext uri="{9D8B030D-6E8A-4147-A177-3AD203B41FA5}">
-                      <a16:colId xmlns="" xmlns:a16="http://schemas.microsoft.com/office/drawing/2014/main" val="20000"/>
+                      <a16:colId xmlns:a16="http://schemas.microsoft.com/office/drawing/2014/main" xmlns="" val="20000"/>
                     </a:ext>
                   </a:extLst>
                 </a:gridCol>
                 <a:gridCol w="1072275">
                   <a:extLst>
                     <a:ext uri="{9D8B030D-6E8A-4147-A177-3AD203B41FA5}">
-                      <a16:colId xmlns="" xmlns:a16="http://schemas.microsoft.com/office/drawing/2014/main" val="20001"/>
+                      <a16:colId xmlns:a16="http://schemas.microsoft.com/office/drawing/2014/main" xmlns="" val="20001"/>
                     </a:ext>
                   </a:extLst>
                 </a:gridCol>
                 <a:gridCol w="1197775">
                   <a:extLst>
                     <a:ext uri="{9D8B030D-6E8A-4147-A177-3AD203B41FA5}">
-                      <a16:colId xmlns="" xmlns:a16="http://schemas.microsoft.com/office/drawing/2014/main" val="20002"/>
+                      <a16:colId xmlns:a16="http://schemas.microsoft.com/office/drawing/2014/main" xmlns="" val="20002"/>
                     </a:ext>
                   </a:extLst>
                 </a:gridCol>
@@ -31890,7 +32092,7 @@
                 </a:tc>
                 <a:extLst>
                   <a:ext uri="{0D108BD9-81ED-4DB2-BD59-A6C34878D82A}">
-                    <a16:rowId xmlns="" xmlns:a16="http://schemas.microsoft.com/office/drawing/2014/main" val="10000"/>
+                    <a16:rowId xmlns:a16="http://schemas.microsoft.com/office/drawing/2014/main" xmlns="" val="10000"/>
                   </a:ext>
                 </a:extLst>
               </a:tr>
@@ -31987,7 +32189,7 @@
                 </a:tc>
                 <a:extLst>
                   <a:ext uri="{0D108BD9-81ED-4DB2-BD59-A6C34878D82A}">
-                    <a16:rowId xmlns="" xmlns:a16="http://schemas.microsoft.com/office/drawing/2014/main" val="10001"/>
+                    <a16:rowId xmlns:a16="http://schemas.microsoft.com/office/drawing/2014/main" xmlns="" val="10001"/>
                   </a:ext>
                 </a:extLst>
               </a:tr>
@@ -32064,7 +32266,7 @@
                 </a:tc>
                 <a:extLst>
                   <a:ext uri="{0D108BD9-81ED-4DB2-BD59-A6C34878D82A}">
-                    <a16:rowId xmlns="" xmlns:a16="http://schemas.microsoft.com/office/drawing/2014/main" val="10002"/>
+                    <a16:rowId xmlns:a16="http://schemas.microsoft.com/office/drawing/2014/main" xmlns="" val="10002"/>
                   </a:ext>
                 </a:extLst>
               </a:tr>
@@ -32141,7 +32343,7 @@
                 </a:tc>
                 <a:extLst>
                   <a:ext uri="{0D108BD9-81ED-4DB2-BD59-A6C34878D82A}">
-                    <a16:rowId xmlns="" xmlns:a16="http://schemas.microsoft.com/office/drawing/2014/main" val="10003"/>
+                    <a16:rowId xmlns:a16="http://schemas.microsoft.com/office/drawing/2014/main" xmlns="" val="10003"/>
                   </a:ext>
                 </a:extLst>
               </a:tr>
@@ -32218,7 +32420,7 @@
                 </a:tc>
                 <a:extLst>
                   <a:ext uri="{0D108BD9-81ED-4DB2-BD59-A6C34878D82A}">
-                    <a16:rowId xmlns="" xmlns:a16="http://schemas.microsoft.com/office/drawing/2014/main" val="10004"/>
+                    <a16:rowId xmlns:a16="http://schemas.microsoft.com/office/drawing/2014/main" xmlns="" val="10004"/>
                   </a:ext>
                 </a:extLst>
               </a:tr>
@@ -32295,7 +32497,7 @@
                 </a:tc>
                 <a:extLst>
                   <a:ext uri="{0D108BD9-81ED-4DB2-BD59-A6C34878D82A}">
-                    <a16:rowId xmlns="" xmlns:a16="http://schemas.microsoft.com/office/drawing/2014/main" val="10005"/>
+                    <a16:rowId xmlns:a16="http://schemas.microsoft.com/office/drawing/2014/main" xmlns="" val="10005"/>
                   </a:ext>
                 </a:extLst>
               </a:tr>
@@ -32372,7 +32574,7 @@
                 </a:tc>
                 <a:extLst>
                   <a:ext uri="{0D108BD9-81ED-4DB2-BD59-A6C34878D82A}">
-                    <a16:rowId xmlns="" xmlns:a16="http://schemas.microsoft.com/office/drawing/2014/main" val="10006"/>
+                    <a16:rowId xmlns:a16="http://schemas.microsoft.com/office/drawing/2014/main" xmlns="" val="10006"/>
                   </a:ext>
                 </a:extLst>
               </a:tr>
@@ -32815,7 +33017,7 @@
   <p:clrMapOvr>
     <a:masterClrMapping/>
   </p:clrMapOvr>
-  <p:transition xmlns:p14="http://schemas.microsoft.com/office/powerpoint/2010/main" spd="slow">
+  <p:transition spd="slow">
     <p:fade/>
   </p:transition>
 </p:sld>
@@ -33087,63 +33289,63 @@
                 <a:gridCol w="640376">
                   <a:extLst>
                     <a:ext uri="{9D8B030D-6E8A-4147-A177-3AD203B41FA5}">
-                      <a16:colId xmlns="" xmlns:a16="http://schemas.microsoft.com/office/drawing/2014/main" val="20000"/>
+                      <a16:colId xmlns:a16="http://schemas.microsoft.com/office/drawing/2014/main" xmlns="" val="20000"/>
                     </a:ext>
                   </a:extLst>
                 </a:gridCol>
                 <a:gridCol w="1456936">
                   <a:extLst>
                     <a:ext uri="{9D8B030D-6E8A-4147-A177-3AD203B41FA5}">
-                      <a16:colId xmlns="" xmlns:a16="http://schemas.microsoft.com/office/drawing/2014/main" val="20001"/>
+                      <a16:colId xmlns:a16="http://schemas.microsoft.com/office/drawing/2014/main" xmlns="" val="20001"/>
                     </a:ext>
                   </a:extLst>
                 </a:gridCol>
                 <a:gridCol w="1043115">
                   <a:extLst>
                     <a:ext uri="{9D8B030D-6E8A-4147-A177-3AD203B41FA5}">
-                      <a16:colId xmlns="" xmlns:a16="http://schemas.microsoft.com/office/drawing/2014/main" val="20002"/>
+                      <a16:colId xmlns:a16="http://schemas.microsoft.com/office/drawing/2014/main" xmlns="" val="20002"/>
                     </a:ext>
                   </a:extLst>
                 </a:gridCol>
                 <a:gridCol w="1012248">
                   <a:extLst>
                     <a:ext uri="{9D8B030D-6E8A-4147-A177-3AD203B41FA5}">
-                      <a16:colId xmlns="" xmlns:a16="http://schemas.microsoft.com/office/drawing/2014/main" val="20003"/>
+                      <a16:colId xmlns:a16="http://schemas.microsoft.com/office/drawing/2014/main" xmlns="" val="20003"/>
                     </a:ext>
                   </a:extLst>
                 </a:gridCol>
                 <a:gridCol w="1344144">
                   <a:extLst>
                     <a:ext uri="{9D8B030D-6E8A-4147-A177-3AD203B41FA5}">
-                      <a16:colId xmlns="" xmlns:a16="http://schemas.microsoft.com/office/drawing/2014/main" val="20004"/>
+                      <a16:colId xmlns:a16="http://schemas.microsoft.com/office/drawing/2014/main" xmlns="" val="20004"/>
                     </a:ext>
                   </a:extLst>
                 </a:gridCol>
                 <a:gridCol w="846300">
                   <a:extLst>
                     <a:ext uri="{9D8B030D-6E8A-4147-A177-3AD203B41FA5}">
-                      <a16:colId xmlns="" xmlns:a16="http://schemas.microsoft.com/office/drawing/2014/main" val="20005"/>
+                      <a16:colId xmlns:a16="http://schemas.microsoft.com/office/drawing/2014/main" xmlns="" val="20005"/>
                     </a:ext>
                   </a:extLst>
                 </a:gridCol>
                 <a:gridCol w="730158">
                   <a:extLst>
                     <a:ext uri="{9D8B030D-6E8A-4147-A177-3AD203B41FA5}">
-                      <a16:colId xmlns="" xmlns:a16="http://schemas.microsoft.com/office/drawing/2014/main" val="20006"/>
+                      <a16:colId xmlns:a16="http://schemas.microsoft.com/office/drawing/2014/main" xmlns="" val="20006"/>
                     </a:ext>
                   </a:extLst>
                 </a:gridCol>
                 <a:gridCol w="945881">
                   <a:extLst>
                     <a:ext uri="{9D8B030D-6E8A-4147-A177-3AD203B41FA5}">
-                      <a16:colId xmlns="" xmlns:a16="http://schemas.microsoft.com/office/drawing/2014/main" val="20007"/>
+                      <a16:colId xmlns:a16="http://schemas.microsoft.com/office/drawing/2014/main" xmlns="" val="20007"/>
                     </a:ext>
                   </a:extLst>
                 </a:gridCol>
                 <a:gridCol w="979065">
                   <a:extLst>
                     <a:ext uri="{9D8B030D-6E8A-4147-A177-3AD203B41FA5}">
-                      <a16:colId xmlns="" xmlns:a16="http://schemas.microsoft.com/office/drawing/2014/main" val="20008"/>
+                      <a16:colId xmlns:a16="http://schemas.microsoft.com/office/drawing/2014/main" xmlns="" val="20008"/>
                     </a:ext>
                   </a:extLst>
                 </a:gridCol>
@@ -33293,7 +33495,7 @@
                 </a:tc>
                 <a:extLst>
                   <a:ext uri="{0D108BD9-81ED-4DB2-BD59-A6C34878D82A}">
-                    <a16:rowId xmlns="" xmlns:a16="http://schemas.microsoft.com/office/drawing/2014/main" val="10000"/>
+                    <a16:rowId xmlns:a16="http://schemas.microsoft.com/office/drawing/2014/main" xmlns="" val="10000"/>
                   </a:ext>
                 </a:extLst>
               </a:tr>
@@ -33672,7 +33874,7 @@
                 </a:tc>
                 <a:extLst>
                   <a:ext uri="{0D108BD9-81ED-4DB2-BD59-A6C34878D82A}">
-                    <a16:rowId xmlns="" xmlns:a16="http://schemas.microsoft.com/office/drawing/2014/main" val="10001"/>
+                    <a16:rowId xmlns:a16="http://schemas.microsoft.com/office/drawing/2014/main" xmlns="" val="10001"/>
                   </a:ext>
                 </a:extLst>
               </a:tr>
@@ -34004,7 +34206,7 @@
                 </a:tc>
                 <a:extLst>
                   <a:ext uri="{0D108BD9-81ED-4DB2-BD59-A6C34878D82A}">
-                    <a16:rowId xmlns="" xmlns:a16="http://schemas.microsoft.com/office/drawing/2014/main" val="10002"/>
+                    <a16:rowId xmlns:a16="http://schemas.microsoft.com/office/drawing/2014/main" xmlns="" val="10002"/>
                   </a:ext>
                 </a:extLst>
               </a:tr>
@@ -34524,7 +34726,7 @@
                 </a:tc>
                 <a:extLst>
                   <a:ext uri="{0D108BD9-81ED-4DB2-BD59-A6C34878D82A}">
-                    <a16:rowId xmlns="" xmlns:a16="http://schemas.microsoft.com/office/drawing/2014/main" val="10003"/>
+                    <a16:rowId xmlns:a16="http://schemas.microsoft.com/office/drawing/2014/main" xmlns="" val="10003"/>
                   </a:ext>
                 </a:extLst>
               </a:tr>
@@ -34998,7 +35200,7 @@
                 </a:tc>
                 <a:extLst>
                   <a:ext uri="{0D108BD9-81ED-4DB2-BD59-A6C34878D82A}">
-                    <a16:rowId xmlns="" xmlns:a16="http://schemas.microsoft.com/office/drawing/2014/main" val="10004"/>
+                    <a16:rowId xmlns:a16="http://schemas.microsoft.com/office/drawing/2014/main" xmlns="" val="10004"/>
                   </a:ext>
                 </a:extLst>
               </a:tr>
@@ -35472,7 +35674,7 @@
                 </a:tc>
                 <a:extLst>
                   <a:ext uri="{0D108BD9-81ED-4DB2-BD59-A6C34878D82A}">
-                    <a16:rowId xmlns="" xmlns:a16="http://schemas.microsoft.com/office/drawing/2014/main" val="10005"/>
+                    <a16:rowId xmlns:a16="http://schemas.microsoft.com/office/drawing/2014/main" xmlns="" val="10005"/>
                   </a:ext>
                 </a:extLst>
               </a:tr>
@@ -35616,7 +35818,7 @@
                 </a:tc>
                 <a:extLst>
                   <a:ext uri="{0D108BD9-81ED-4DB2-BD59-A6C34878D82A}">
-                    <a16:rowId xmlns="" xmlns:a16="http://schemas.microsoft.com/office/drawing/2014/main" val="10006"/>
+                    <a16:rowId xmlns:a16="http://schemas.microsoft.com/office/drawing/2014/main" xmlns="" val="10006"/>
                   </a:ext>
                 </a:extLst>
               </a:tr>
@@ -35629,7 +35831,7 @@
   <p:clrMapOvr>
     <a:masterClrMapping/>
   </p:clrMapOvr>
-  <p:transition xmlns:p14="http://schemas.microsoft.com/office/powerpoint/2010/main" spd="slow">
+  <p:transition spd="slow">
     <p:fade/>
   </p:transition>
 </p:sld>

--- a/INFM600_0201_Fabulous_Presentation/INFM600_0201_Fabulous_ProjetPresentation.pptx
+++ b/INFM600_0201_Fabulous_Presentation/INFM600_0201_Fabulous_ProjetPresentation.pptx
@@ -2510,8 +2510,8 @@
         </p:nvSpPr>
         <p:spPr>
           <a:xfrm>
-            <a:off x="1143225" y="685800"/>
-            <a:ext cx="4572225" cy="3429000"/>
+            <a:off x="381000" y="685800"/>
+            <a:ext cx="6096000" cy="3429000"/>
           </a:xfrm>
           <a:custGeom>
             <a:avLst/>
@@ -2620,8 +2620,8 @@
         </p:nvSpPr>
         <p:spPr>
           <a:xfrm>
-            <a:off x="1143225" y="685800"/>
-            <a:ext cx="4572225" cy="3429000"/>
+            <a:off x="381000" y="685800"/>
+            <a:ext cx="6096000" cy="3429000"/>
           </a:xfrm>
           <a:custGeom>
             <a:avLst/>
@@ -22562,6 +22562,13 @@
   <p:transition spd="slow">
     <p:fade/>
   </p:transition>
+  <p:timing>
+    <p:tnLst>
+      <p:par>
+        <p:cTn id="1" dur="indefinite" restart="never" nodeType="tmRoot"/>
+      </p:par>
+    </p:tnLst>
+  </p:timing>
 </p:sld>
 </file>
 
@@ -22690,6 +22697,13 @@
   <p:transition spd="slow">
     <p:fade/>
   </p:transition>
+  <p:timing>
+    <p:tnLst>
+      <p:par>
+        <p:cTn id="1" dur="indefinite" restart="never" nodeType="tmRoot"/>
+      </p:par>
+    </p:tnLst>
+  </p:timing>
 </p:sld>
 </file>
 
@@ -22849,6 +22863,13 @@
   <p:transition spd="slow">
     <p:fade/>
   </p:transition>
+  <p:timing>
+    <p:tnLst>
+      <p:par>
+        <p:cTn id="1" dur="indefinite" restart="never" nodeType="tmRoot"/>
+      </p:par>
+    </p:tnLst>
+  </p:timing>
 </p:sld>
 </file>
 
@@ -23279,28 +23300,28 @@
                 <a:gridCol w="1435900">
                   <a:extLst>
                     <a:ext uri="{9D8B030D-6E8A-4147-A177-3AD203B41FA5}">
-                      <a16:colId xmlns:a16="http://schemas.microsoft.com/office/drawing/2014/main" xmlns="" val="20000"/>
+                      <a16:colId xmlns="" xmlns:a16="http://schemas.microsoft.com/office/drawing/2014/main" val="20000"/>
                     </a:ext>
                   </a:extLst>
                 </a:gridCol>
                 <a:gridCol w="591375">
                   <a:extLst>
                     <a:ext uri="{9D8B030D-6E8A-4147-A177-3AD203B41FA5}">
-                      <a16:colId xmlns:a16="http://schemas.microsoft.com/office/drawing/2014/main" xmlns="" val="20001"/>
+                      <a16:colId xmlns="" xmlns:a16="http://schemas.microsoft.com/office/drawing/2014/main" val="20001"/>
                     </a:ext>
                   </a:extLst>
                 </a:gridCol>
                 <a:gridCol w="1143325">
                   <a:extLst>
                     <a:ext uri="{9D8B030D-6E8A-4147-A177-3AD203B41FA5}">
-                      <a16:colId xmlns:a16="http://schemas.microsoft.com/office/drawing/2014/main" xmlns="" val="20002"/>
+                      <a16:colId xmlns="" xmlns:a16="http://schemas.microsoft.com/office/drawing/2014/main" val="20002"/>
                     </a:ext>
                   </a:extLst>
                 </a:gridCol>
                 <a:gridCol w="1163225">
                   <a:extLst>
                     <a:ext uri="{9D8B030D-6E8A-4147-A177-3AD203B41FA5}">
-                      <a16:colId xmlns:a16="http://schemas.microsoft.com/office/drawing/2014/main" xmlns="" val="20003"/>
+                      <a16:colId xmlns="" xmlns:a16="http://schemas.microsoft.com/office/drawing/2014/main" val="20003"/>
                     </a:ext>
                   </a:extLst>
                 </a:gridCol>
@@ -23358,7 +23379,7 @@
                 </a:tc>
                 <a:extLst>
                   <a:ext uri="{0D108BD9-81ED-4DB2-BD59-A6C34878D82A}">
-                    <a16:rowId xmlns:a16="http://schemas.microsoft.com/office/drawing/2014/main" xmlns="" val="10000"/>
+                    <a16:rowId xmlns="" xmlns:a16="http://schemas.microsoft.com/office/drawing/2014/main" val="10000"/>
                   </a:ext>
                 </a:extLst>
               </a:tr>
@@ -23460,7 +23481,7 @@
                 </a:tc>
                 <a:extLst>
                   <a:ext uri="{0D108BD9-81ED-4DB2-BD59-A6C34878D82A}">
-                    <a16:rowId xmlns:a16="http://schemas.microsoft.com/office/drawing/2014/main" xmlns="" val="10001"/>
+                    <a16:rowId xmlns="" xmlns:a16="http://schemas.microsoft.com/office/drawing/2014/main" val="10001"/>
                   </a:ext>
                 </a:extLst>
               </a:tr>
@@ -23547,7 +23568,7 @@
                 </a:tc>
                 <a:extLst>
                   <a:ext uri="{0D108BD9-81ED-4DB2-BD59-A6C34878D82A}">
-                    <a16:rowId xmlns:a16="http://schemas.microsoft.com/office/drawing/2014/main" xmlns="" val="10002"/>
+                    <a16:rowId xmlns="" xmlns:a16="http://schemas.microsoft.com/office/drawing/2014/main" val="10002"/>
                   </a:ext>
                 </a:extLst>
               </a:tr>
@@ -23634,7 +23655,7 @@
                 </a:tc>
                 <a:extLst>
                   <a:ext uri="{0D108BD9-81ED-4DB2-BD59-A6C34878D82A}">
-                    <a16:rowId xmlns:a16="http://schemas.microsoft.com/office/drawing/2014/main" xmlns="" val="10003"/>
+                    <a16:rowId xmlns="" xmlns:a16="http://schemas.microsoft.com/office/drawing/2014/main" val="10003"/>
                   </a:ext>
                 </a:extLst>
               </a:tr>
@@ -23663,42 +23684,42 @@
                 <a:gridCol w="653650">
                   <a:extLst>
                     <a:ext uri="{9D8B030D-6E8A-4147-A177-3AD203B41FA5}">
-                      <a16:colId xmlns:a16="http://schemas.microsoft.com/office/drawing/2014/main" xmlns="" val="20000"/>
+                      <a16:colId xmlns="" xmlns:a16="http://schemas.microsoft.com/office/drawing/2014/main" val="20000"/>
                     </a:ext>
                   </a:extLst>
                 </a:gridCol>
                 <a:gridCol w="1176150">
                   <a:extLst>
                     <a:ext uri="{9D8B030D-6E8A-4147-A177-3AD203B41FA5}">
-                      <a16:colId xmlns:a16="http://schemas.microsoft.com/office/drawing/2014/main" xmlns="" val="20001"/>
+                      <a16:colId xmlns="" xmlns:a16="http://schemas.microsoft.com/office/drawing/2014/main" val="20001"/>
                     </a:ext>
                   </a:extLst>
                 </a:gridCol>
                 <a:gridCol w="308175">
                   <a:extLst>
                     <a:ext uri="{9D8B030D-6E8A-4147-A177-3AD203B41FA5}">
-                      <a16:colId xmlns:a16="http://schemas.microsoft.com/office/drawing/2014/main" xmlns="" val="20002"/>
+                      <a16:colId xmlns="" xmlns:a16="http://schemas.microsoft.com/office/drawing/2014/main" val="20002"/>
                     </a:ext>
                   </a:extLst>
                 </a:gridCol>
                 <a:gridCol w="971550">
                   <a:extLst>
                     <a:ext uri="{9D8B030D-6E8A-4147-A177-3AD203B41FA5}">
-                      <a16:colId xmlns:a16="http://schemas.microsoft.com/office/drawing/2014/main" xmlns="" val="20003"/>
+                      <a16:colId xmlns="" xmlns:a16="http://schemas.microsoft.com/office/drawing/2014/main" val="20003"/>
                     </a:ext>
                   </a:extLst>
                 </a:gridCol>
                 <a:gridCol w="717450">
                   <a:extLst>
                     <a:ext uri="{9D8B030D-6E8A-4147-A177-3AD203B41FA5}">
-                      <a16:colId xmlns:a16="http://schemas.microsoft.com/office/drawing/2014/main" xmlns="" val="20004"/>
+                      <a16:colId xmlns="" xmlns:a16="http://schemas.microsoft.com/office/drawing/2014/main" val="20004"/>
                     </a:ext>
                   </a:extLst>
                 </a:gridCol>
                 <a:gridCol w="548650">
                   <a:extLst>
                     <a:ext uri="{9D8B030D-6E8A-4147-A177-3AD203B41FA5}">
-                      <a16:colId xmlns:a16="http://schemas.microsoft.com/office/drawing/2014/main" xmlns="" val="20005"/>
+                      <a16:colId xmlns="" xmlns:a16="http://schemas.microsoft.com/office/drawing/2014/main" val="20005"/>
                     </a:ext>
                   </a:extLst>
                 </a:gridCol>
@@ -23776,7 +23797,7 @@
                 </a:tc>
                 <a:extLst>
                   <a:ext uri="{0D108BD9-81ED-4DB2-BD59-A6C34878D82A}">
-                    <a16:rowId xmlns:a16="http://schemas.microsoft.com/office/drawing/2014/main" xmlns="" val="10000"/>
+                    <a16:rowId xmlns="" xmlns:a16="http://schemas.microsoft.com/office/drawing/2014/main" val="10000"/>
                   </a:ext>
                 </a:extLst>
               </a:tr>
@@ -23928,7 +23949,7 @@
                 </a:tc>
                 <a:extLst>
                   <a:ext uri="{0D108BD9-81ED-4DB2-BD59-A6C34878D82A}">
-                    <a16:rowId xmlns:a16="http://schemas.microsoft.com/office/drawing/2014/main" xmlns="" val="10001"/>
+                    <a16:rowId xmlns="" xmlns:a16="http://schemas.microsoft.com/office/drawing/2014/main" val="10001"/>
                   </a:ext>
                 </a:extLst>
               </a:tr>
@@ -24055,7 +24076,7 @@
                 </a:tc>
                 <a:extLst>
                   <a:ext uri="{0D108BD9-81ED-4DB2-BD59-A6C34878D82A}">
-                    <a16:rowId xmlns:a16="http://schemas.microsoft.com/office/drawing/2014/main" xmlns="" val="10002"/>
+                    <a16:rowId xmlns="" xmlns:a16="http://schemas.microsoft.com/office/drawing/2014/main" val="10002"/>
                   </a:ext>
                 </a:extLst>
               </a:tr>
@@ -24182,7 +24203,7 @@
                 </a:tc>
                 <a:extLst>
                   <a:ext uri="{0D108BD9-81ED-4DB2-BD59-A6C34878D82A}">
-                    <a16:rowId xmlns:a16="http://schemas.microsoft.com/office/drawing/2014/main" xmlns="" val="10003"/>
+                    <a16:rowId xmlns="" xmlns:a16="http://schemas.microsoft.com/office/drawing/2014/main" val="10003"/>
                   </a:ext>
                 </a:extLst>
               </a:tr>
@@ -24514,28 +24535,28 @@
                 <a:gridCol w="1222575">
                   <a:extLst>
                     <a:ext uri="{9D8B030D-6E8A-4147-A177-3AD203B41FA5}">
-                      <a16:colId xmlns:a16="http://schemas.microsoft.com/office/drawing/2014/main" xmlns="" val="20000"/>
+                      <a16:colId xmlns="" xmlns:a16="http://schemas.microsoft.com/office/drawing/2014/main" val="20000"/>
                     </a:ext>
                   </a:extLst>
                 </a:gridCol>
                 <a:gridCol w="1222575">
                   <a:extLst>
                     <a:ext uri="{9D8B030D-6E8A-4147-A177-3AD203B41FA5}">
-                      <a16:colId xmlns:a16="http://schemas.microsoft.com/office/drawing/2014/main" xmlns="" val="20001"/>
+                      <a16:colId xmlns="" xmlns:a16="http://schemas.microsoft.com/office/drawing/2014/main" val="20001"/>
                     </a:ext>
                   </a:extLst>
                 </a:gridCol>
                 <a:gridCol w="937300">
                   <a:extLst>
                     <a:ext uri="{9D8B030D-6E8A-4147-A177-3AD203B41FA5}">
-                      <a16:colId xmlns:a16="http://schemas.microsoft.com/office/drawing/2014/main" xmlns="" val="20002"/>
+                      <a16:colId xmlns="" xmlns:a16="http://schemas.microsoft.com/office/drawing/2014/main" val="20002"/>
                     </a:ext>
                   </a:extLst>
                 </a:gridCol>
                 <a:gridCol w="937300">
                   <a:extLst>
                     <a:ext uri="{9D8B030D-6E8A-4147-A177-3AD203B41FA5}">
-                      <a16:colId xmlns:a16="http://schemas.microsoft.com/office/drawing/2014/main" xmlns="" val="20003"/>
+                      <a16:colId xmlns="" xmlns:a16="http://schemas.microsoft.com/office/drawing/2014/main" val="20003"/>
                     </a:ext>
                   </a:extLst>
                 </a:gridCol>
@@ -24593,7 +24614,7 @@
                 </a:tc>
                 <a:extLst>
                   <a:ext uri="{0D108BD9-81ED-4DB2-BD59-A6C34878D82A}">
-                    <a16:rowId xmlns:a16="http://schemas.microsoft.com/office/drawing/2014/main" xmlns="" val="10000"/>
+                    <a16:rowId xmlns="" xmlns:a16="http://schemas.microsoft.com/office/drawing/2014/main" val="10000"/>
                   </a:ext>
                 </a:extLst>
               </a:tr>
@@ -24670,7 +24691,7 @@
                 </a:tc>
                 <a:extLst>
                   <a:ext uri="{0D108BD9-81ED-4DB2-BD59-A6C34878D82A}">
-                    <a16:rowId xmlns:a16="http://schemas.microsoft.com/office/drawing/2014/main" xmlns="" val="10001"/>
+                    <a16:rowId xmlns="" xmlns:a16="http://schemas.microsoft.com/office/drawing/2014/main" val="10001"/>
                   </a:ext>
                 </a:extLst>
               </a:tr>
@@ -24761,7 +24782,7 @@
                 </a:tc>
                 <a:extLst>
                   <a:ext uri="{0D108BD9-81ED-4DB2-BD59-A6C34878D82A}">
-                    <a16:rowId xmlns:a16="http://schemas.microsoft.com/office/drawing/2014/main" xmlns="" val="10002"/>
+                    <a16:rowId xmlns="" xmlns:a16="http://schemas.microsoft.com/office/drawing/2014/main" val="10002"/>
                   </a:ext>
                 </a:extLst>
               </a:tr>
@@ -24838,7 +24859,7 @@
                 </a:tc>
                 <a:extLst>
                   <a:ext uri="{0D108BD9-81ED-4DB2-BD59-A6C34878D82A}">
-                    <a16:rowId xmlns:a16="http://schemas.microsoft.com/office/drawing/2014/main" xmlns="" val="10003"/>
+                    <a16:rowId xmlns="" xmlns:a16="http://schemas.microsoft.com/office/drawing/2014/main" val="10003"/>
                   </a:ext>
                 </a:extLst>
               </a:tr>
@@ -24915,7 +24936,7 @@
                 </a:tc>
                 <a:extLst>
                   <a:ext uri="{0D108BD9-81ED-4DB2-BD59-A6C34878D82A}">
-                    <a16:rowId xmlns:a16="http://schemas.microsoft.com/office/drawing/2014/main" xmlns="" val="10004"/>
+                    <a16:rowId xmlns="" xmlns:a16="http://schemas.microsoft.com/office/drawing/2014/main" val="10004"/>
                   </a:ext>
                 </a:extLst>
               </a:tr>
@@ -25006,7 +25027,7 @@
                 </a:tc>
                 <a:extLst>
                   <a:ext uri="{0D108BD9-81ED-4DB2-BD59-A6C34878D82A}">
-                    <a16:rowId xmlns:a16="http://schemas.microsoft.com/office/drawing/2014/main" xmlns="" val="10005"/>
+                    <a16:rowId xmlns="" xmlns:a16="http://schemas.microsoft.com/office/drawing/2014/main" val="10005"/>
                   </a:ext>
                 </a:extLst>
               </a:tr>
@@ -25083,7 +25104,7 @@
                 </a:tc>
                 <a:extLst>
                   <a:ext uri="{0D108BD9-81ED-4DB2-BD59-A6C34878D82A}">
-                    <a16:rowId xmlns:a16="http://schemas.microsoft.com/office/drawing/2014/main" xmlns="" val="10006"/>
+                    <a16:rowId xmlns="" xmlns:a16="http://schemas.microsoft.com/office/drawing/2014/main" val="10006"/>
                   </a:ext>
                 </a:extLst>
               </a:tr>
@@ -25160,7 +25181,7 @@
                 </a:tc>
                 <a:extLst>
                   <a:ext uri="{0D108BD9-81ED-4DB2-BD59-A6C34878D82A}">
-                    <a16:rowId xmlns:a16="http://schemas.microsoft.com/office/drawing/2014/main" xmlns="" val="10007"/>
+                    <a16:rowId xmlns="" xmlns:a16="http://schemas.microsoft.com/office/drawing/2014/main" val="10007"/>
                   </a:ext>
                 </a:extLst>
               </a:tr>
@@ -25221,7 +25242,7 @@
                 </a:tc>
                 <a:extLst>
                   <a:ext uri="{0D108BD9-81ED-4DB2-BD59-A6C34878D82A}">
-                    <a16:rowId xmlns:a16="http://schemas.microsoft.com/office/drawing/2014/main" xmlns="" val="10008"/>
+                    <a16:rowId xmlns="" xmlns:a16="http://schemas.microsoft.com/office/drawing/2014/main" val="10008"/>
                   </a:ext>
                 </a:extLst>
               </a:tr>
@@ -25626,77 +25647,77 @@
                 <a:gridCol w="891150">
                   <a:extLst>
                     <a:ext uri="{9D8B030D-6E8A-4147-A177-3AD203B41FA5}">
-                      <a16:colId xmlns:a16="http://schemas.microsoft.com/office/drawing/2014/main" xmlns="" val="20000"/>
+                      <a16:colId xmlns="" xmlns:a16="http://schemas.microsoft.com/office/drawing/2014/main" val="20000"/>
                     </a:ext>
                   </a:extLst>
                 </a:gridCol>
                 <a:gridCol w="1808525">
                   <a:extLst>
                     <a:ext uri="{9D8B030D-6E8A-4147-A177-3AD203B41FA5}">
-                      <a16:colId xmlns:a16="http://schemas.microsoft.com/office/drawing/2014/main" xmlns="" val="20001"/>
+                      <a16:colId xmlns="" xmlns:a16="http://schemas.microsoft.com/office/drawing/2014/main" val="20001"/>
                     </a:ext>
                   </a:extLst>
                 </a:gridCol>
                 <a:gridCol w="1038325">
                   <a:extLst>
                     <a:ext uri="{9D8B030D-6E8A-4147-A177-3AD203B41FA5}">
-                      <a16:colId xmlns:a16="http://schemas.microsoft.com/office/drawing/2014/main" xmlns="" val="20002"/>
+                      <a16:colId xmlns="" xmlns:a16="http://schemas.microsoft.com/office/drawing/2014/main" val="20002"/>
                     </a:ext>
                   </a:extLst>
                 </a:gridCol>
                 <a:gridCol w="1038325">
                   <a:extLst>
                     <a:ext uri="{9D8B030D-6E8A-4147-A177-3AD203B41FA5}">
-                      <a16:colId xmlns:a16="http://schemas.microsoft.com/office/drawing/2014/main" xmlns="" val="20003"/>
+                      <a16:colId xmlns="" xmlns:a16="http://schemas.microsoft.com/office/drawing/2014/main" val="20003"/>
                     </a:ext>
                   </a:extLst>
                 </a:gridCol>
                 <a:gridCol w="726600">
                   <a:extLst>
                     <a:ext uri="{9D8B030D-6E8A-4147-A177-3AD203B41FA5}">
-                      <a16:colId xmlns:a16="http://schemas.microsoft.com/office/drawing/2014/main" xmlns="" val="20004"/>
+                      <a16:colId xmlns="" xmlns:a16="http://schemas.microsoft.com/office/drawing/2014/main" val="20004"/>
                     </a:ext>
                   </a:extLst>
                 </a:gridCol>
                 <a:gridCol w="715625">
                   <a:extLst>
                     <a:ext uri="{9D8B030D-6E8A-4147-A177-3AD203B41FA5}">
-                      <a16:colId xmlns:a16="http://schemas.microsoft.com/office/drawing/2014/main" xmlns="" val="20005"/>
+                      <a16:colId xmlns="" xmlns:a16="http://schemas.microsoft.com/office/drawing/2014/main" val="20005"/>
                     </a:ext>
                   </a:extLst>
                 </a:gridCol>
                 <a:gridCol w="821625">
                   <a:extLst>
                     <a:ext uri="{9D8B030D-6E8A-4147-A177-3AD203B41FA5}">
-                      <a16:colId xmlns:a16="http://schemas.microsoft.com/office/drawing/2014/main" xmlns="" val="20006"/>
+                      <a16:colId xmlns="" xmlns:a16="http://schemas.microsoft.com/office/drawing/2014/main" val="20006"/>
                     </a:ext>
                   </a:extLst>
                 </a:gridCol>
                 <a:gridCol w="1007175">
                   <a:extLst>
                     <a:ext uri="{9D8B030D-6E8A-4147-A177-3AD203B41FA5}">
-                      <a16:colId xmlns:a16="http://schemas.microsoft.com/office/drawing/2014/main" xmlns="" val="20007"/>
+                      <a16:colId xmlns="" xmlns:a16="http://schemas.microsoft.com/office/drawing/2014/main" val="20007"/>
                     </a:ext>
                   </a:extLst>
                 </a:gridCol>
                 <a:gridCol w="1055375">
                   <a:extLst>
                     <a:ext uri="{9D8B030D-6E8A-4147-A177-3AD203B41FA5}">
-                      <a16:colId xmlns:a16="http://schemas.microsoft.com/office/drawing/2014/main" xmlns="" val="20008"/>
+                      <a16:colId xmlns="" xmlns:a16="http://schemas.microsoft.com/office/drawing/2014/main" val="20008"/>
                     </a:ext>
                   </a:extLst>
                 </a:gridCol>
                 <a:gridCol w="830675">
                   <a:extLst>
                     <a:ext uri="{9D8B030D-6E8A-4147-A177-3AD203B41FA5}">
-                      <a16:colId xmlns:a16="http://schemas.microsoft.com/office/drawing/2014/main" xmlns="" val="20009"/>
+                      <a16:colId xmlns="" xmlns:a16="http://schemas.microsoft.com/office/drawing/2014/main" val="20009"/>
                     </a:ext>
                   </a:extLst>
                 </a:gridCol>
                 <a:gridCol w="830675">
                   <a:extLst>
                     <a:ext uri="{9D8B030D-6E8A-4147-A177-3AD203B41FA5}">
-                      <a16:colId xmlns:a16="http://schemas.microsoft.com/office/drawing/2014/main" xmlns="" val="20010"/>
+                      <a16:colId xmlns="" xmlns:a16="http://schemas.microsoft.com/office/drawing/2014/main" val="20010"/>
                     </a:ext>
                   </a:extLst>
                 </a:gridCol>
@@ -25861,7 +25882,7 @@
                 </a:tc>
                 <a:extLst>
                   <a:ext uri="{0D108BD9-81ED-4DB2-BD59-A6C34878D82A}">
-                    <a16:rowId xmlns:a16="http://schemas.microsoft.com/office/drawing/2014/main" xmlns="" val="10000"/>
+                    <a16:rowId xmlns="" xmlns:a16="http://schemas.microsoft.com/office/drawing/2014/main" val="10000"/>
                   </a:ext>
                 </a:extLst>
               </a:tr>
@@ -26123,7 +26144,7 @@
                 </a:tc>
                 <a:extLst>
                   <a:ext uri="{0D108BD9-81ED-4DB2-BD59-A6C34878D82A}">
-                    <a16:rowId xmlns:a16="http://schemas.microsoft.com/office/drawing/2014/main" xmlns="" val="10001"/>
+                    <a16:rowId xmlns="" xmlns:a16="http://schemas.microsoft.com/office/drawing/2014/main" val="10001"/>
                   </a:ext>
                 </a:extLst>
               </a:tr>
@@ -26623,7 +26644,7 @@
                 </a:tc>
                 <a:extLst>
                   <a:ext uri="{0D108BD9-81ED-4DB2-BD59-A6C34878D82A}">
-                    <a16:rowId xmlns:a16="http://schemas.microsoft.com/office/drawing/2014/main" xmlns="" val="10002"/>
+                    <a16:rowId xmlns="" xmlns:a16="http://schemas.microsoft.com/office/drawing/2014/main" val="10002"/>
                   </a:ext>
                 </a:extLst>
               </a:tr>
@@ -26834,7 +26855,7 @@
                 </a:tc>
                 <a:extLst>
                   <a:ext uri="{0D108BD9-81ED-4DB2-BD59-A6C34878D82A}">
-                    <a16:rowId xmlns:a16="http://schemas.microsoft.com/office/drawing/2014/main" xmlns="" val="10003"/>
+                    <a16:rowId xmlns="" xmlns:a16="http://schemas.microsoft.com/office/drawing/2014/main" val="10003"/>
                   </a:ext>
                 </a:extLst>
               </a:tr>
@@ -27468,7 +27489,7 @@
                 </a:tc>
                 <a:extLst>
                   <a:ext uri="{0D108BD9-81ED-4DB2-BD59-A6C34878D82A}">
-                    <a16:rowId xmlns:a16="http://schemas.microsoft.com/office/drawing/2014/main" xmlns="" val="10004"/>
+                    <a16:rowId xmlns="" xmlns:a16="http://schemas.microsoft.com/office/drawing/2014/main" val="10004"/>
                   </a:ext>
                 </a:extLst>
               </a:tr>
@@ -28055,7 +28076,7 @@
                 </a:tc>
                 <a:extLst>
                   <a:ext uri="{0D108BD9-81ED-4DB2-BD59-A6C34878D82A}">
-                    <a16:rowId xmlns:a16="http://schemas.microsoft.com/office/drawing/2014/main" xmlns="" val="10005"/>
+                    <a16:rowId xmlns="" xmlns:a16="http://schemas.microsoft.com/office/drawing/2014/main" val="10005"/>
                   </a:ext>
                 </a:extLst>
               </a:tr>
@@ -28309,6 +28330,13 @@
   <p:transition spd="slow">
     <p:fade/>
   </p:transition>
+  <p:timing>
+    <p:tnLst>
+      <p:par>
+        <p:cTn id="1" dur="indefinite" restart="never" nodeType="tmRoot"/>
+      </p:par>
+    </p:tnLst>
+  </p:timing>
 </p:sld>
 </file>
 
@@ -28466,6 +28494,13 @@
   <p:transition spd="slow">
     <p:fade/>
   </p:transition>
+  <p:timing>
+    <p:tnLst>
+      <p:par>
+        <p:cTn id="1" dur="indefinite" restart="never" nodeType="tmRoot"/>
+      </p:par>
+    </p:tnLst>
+  </p:timing>
 </p:sld>
 </file>
 
@@ -28661,6 +28696,13 @@
   <p:transition spd="slow">
     <p:fade/>
   </p:transition>
+  <p:timing>
+    <p:tnLst>
+      <p:par>
+        <p:cTn id="1" dur="indefinite" restart="never" nodeType="tmRoot"/>
+      </p:par>
+    </p:tnLst>
+  </p:timing>
 </p:sld>
 </file>
 
@@ -29245,6 +29287,13 @@
   <p:transition spd="slow">
     <p:fade/>
   </p:transition>
+  <p:timing>
+    <p:tnLst>
+      <p:par>
+        <p:cTn id="1" dur="indefinite" restart="never" nodeType="tmRoot"/>
+      </p:par>
+    </p:tnLst>
+  </p:timing>
 </p:sld>
 </file>
 
@@ -29589,6 +29638,13 @@
   <p:transition spd="slow">
     <p:fade/>
   </p:transition>
+  <p:timing>
+    <p:tnLst>
+      <p:par>
+        <p:cTn id="1" dur="indefinite" restart="never" nodeType="tmRoot"/>
+      </p:par>
+    </p:tnLst>
+  </p:timing>
 </p:sld>
 </file>
 
@@ -29846,6 +29902,13 @@
   <p:transition spd="slow">
     <p:fade/>
   </p:transition>
+  <p:timing>
+    <p:tnLst>
+      <p:par>
+        <p:cTn id="1" dur="indefinite" restart="never" nodeType="tmRoot"/>
+      </p:par>
+    </p:tnLst>
+  </p:timing>
 </p:sld>
 </file>
 
@@ -30126,6 +30189,13 @@
   <p:transition spd="slow">
     <p:fade/>
   </p:transition>
+  <p:timing>
+    <p:tnLst>
+      <p:par>
+        <p:cTn id="1" dur="indefinite" restart="never" nodeType="tmRoot"/>
+      </p:par>
+    </p:tnLst>
+  </p:timing>
 </p:sld>
 </file>
 
@@ -30267,6 +30337,13 @@
   <p:transition spd="slow">
     <p:fade/>
   </p:transition>
+  <p:timing>
+    <p:tnLst>
+      <p:par>
+        <p:cTn id="1" dur="indefinite" restart="never" nodeType="tmRoot"/>
+      </p:par>
+    </p:tnLst>
+  </p:timing>
 </p:sld>
 </file>
 
@@ -30548,6 +30625,13 @@
   <p:transition spd="slow">
     <p:fade/>
   </p:transition>
+  <p:timing>
+    <p:tnLst>
+      <p:par>
+        <p:cTn id="1" dur="indefinite" restart="never" nodeType="tmRoot"/>
+      </p:par>
+    </p:tnLst>
+  </p:timing>
 </p:sld>
 </file>
 
@@ -30941,6 +31025,13 @@
   <p:transition spd="slow">
     <p:fade/>
   </p:transition>
+  <p:timing>
+    <p:tnLst>
+      <p:par>
+        <p:cTn id="1" dur="indefinite" restart="never" nodeType="tmRoot"/>
+      </p:par>
+    </p:tnLst>
+  </p:timing>
 </p:sld>
 </file>
 
@@ -31153,7 +31244,35 @@
                 <a:cs typeface="Century Gothic"/>
                 <a:sym typeface="Century Gothic"/>
               </a:rPr>
-              <a:t>In total there are seven columns including the information of start date with time, end date with time, start station, end station, bike ID, etc. </a:t>
+              <a:t>In total there are seven columns including the information of start date with time, end date with time, start station, end station, </a:t>
+            </a:r>
+            <a:r>
+              <a:rPr lang="en-US" altLang="zh-CN" sz="2000" dirty="0"/>
+              <a:t>station</a:t>
+            </a:r>
+            <a:r>
+              <a:rPr lang="en-US" sz="2000" b="0" i="0" u="none" strike="noStrike" cap="none" dirty="0" smtClean="0">
+                <a:solidFill>
+                  <a:schemeClr val="lt1"/>
+                </a:solidFill>
+                <a:latin typeface="Century Gothic"/>
+                <a:ea typeface="Century Gothic"/>
+                <a:cs typeface="Century Gothic"/>
+                <a:sym typeface="Century Gothic"/>
+              </a:rPr>
+              <a:t> </a:t>
+            </a:r>
+            <a:r>
+              <a:rPr lang="en-US" sz="2000" b="0" i="0" u="none" strike="noStrike" cap="none" dirty="0">
+                <a:solidFill>
+                  <a:schemeClr val="lt1"/>
+                </a:solidFill>
+                <a:latin typeface="Century Gothic"/>
+                <a:ea typeface="Century Gothic"/>
+                <a:cs typeface="Century Gothic"/>
+                <a:sym typeface="Century Gothic"/>
+              </a:rPr>
+              <a:t>ID, etc. </a:t>
             </a:r>
           </a:p>
           <a:p>
@@ -31303,6 +31422,13 @@
   <p:transition spd="slow">
     <p:fade/>
   </p:transition>
+  <p:timing>
+    <p:tnLst>
+      <p:par>
+        <p:cTn id="1" dur="indefinite" restart="never" nodeType="tmRoot"/>
+      </p:par>
+    </p:tnLst>
+  </p:timing>
 </p:sld>
 </file>
 
@@ -31624,26 +31750,10 @@
                 <a:cs typeface="Century Gothic"/>
                 <a:sym typeface="Century Gothic"/>
               </a:rPr>
-              <a:t>Contain the weather conditions in Washington D.C. Metro area from Oct 1, 2010 to Jun 30, 2016 (in total of 2100 rows).</a:t>
+              <a:t>Contain the weather conditions in Washington D.C. Metro area from Oct 1, 2010 to Jun 30, 2016 (in total of 2100 </a:t>
             </a:r>
-          </a:p>
-          <a:p>
-            <a:pPr marL="742950" marR="0" lvl="1" indent="-285750" algn="just" rtl="0">
-              <a:spcBef>
-                <a:spcPts val="1000"/>
-              </a:spcBef>
-              <a:spcAft>
-                <a:spcPts val="0"/>
-              </a:spcAft>
-              <a:buClr>
-                <a:srgbClr val="86D1D8"/>
-              </a:buClr>
-              <a:buSzPct val="80000"/>
-              <a:buFont typeface="Noto Sans Symbols"/>
-              <a:buChar char="▶"/>
-            </a:pPr>
             <a:r>
-              <a:rPr lang="en-US" sz="2000" b="0" i="0" u="none" strike="noStrike" cap="none" dirty="0">
+              <a:rPr lang="en-US" sz="2000" b="0" i="0" u="none" strike="noStrike" cap="none">
                 <a:solidFill>
                   <a:schemeClr val="lt1"/>
                 </a:solidFill>
@@ -31652,8 +31762,29 @@
                 <a:cs typeface="Century Gothic"/>
                 <a:sym typeface="Century Gothic"/>
               </a:rPr>
-              <a:t>Dataset originally spreads in six different files for each year 2010 through 2016.</a:t>
+              <a:t>rows</a:t>
             </a:r>
+            <a:r>
+              <a:rPr lang="en-US" sz="2000" b="0" i="0" u="none" strike="noStrike" cap="none" smtClean="0">
+                <a:solidFill>
+                  <a:schemeClr val="lt1"/>
+                </a:solidFill>
+                <a:latin typeface="Century Gothic"/>
+                <a:ea typeface="Century Gothic"/>
+                <a:cs typeface="Century Gothic"/>
+                <a:sym typeface="Century Gothic"/>
+              </a:rPr>
+              <a:t>).</a:t>
+            </a:r>
+            <a:endParaRPr lang="en-US" sz="2000" b="0" i="0" u="none" strike="noStrike" cap="none" dirty="0">
+              <a:solidFill>
+                <a:schemeClr val="lt1"/>
+              </a:solidFill>
+              <a:latin typeface="Century Gothic"/>
+              <a:ea typeface="Century Gothic"/>
+              <a:cs typeface="Century Gothic"/>
+              <a:sym typeface="Century Gothic"/>
+            </a:endParaRPr>
           </a:p>
         </p:txBody>
       </p:sp>
@@ -31665,6 +31796,13 @@
   <p:transition spd="slow">
     <p:fade/>
   </p:transition>
+  <p:timing>
+    <p:tnLst>
+      <p:par>
+        <p:cTn id="1" dur="indefinite" restart="never" nodeType="tmRoot"/>
+      </p:par>
+    </p:tnLst>
+  </p:timing>
 </p:sld>
 </file>
 
@@ -31850,6 +31988,13 @@
   <p:transition spd="slow">
     <p:fade/>
   </p:transition>
+  <p:timing>
+    <p:tnLst>
+      <p:par>
+        <p:cTn id="1" dur="indefinite" restart="never" nodeType="tmRoot"/>
+      </p:par>
+    </p:tnLst>
+  </p:timing>
 </p:sld>
 </file>
 
@@ -31973,21 +32118,21 @@
                 <a:gridCol w="1315825">
                   <a:extLst>
                     <a:ext uri="{9D8B030D-6E8A-4147-A177-3AD203B41FA5}">
-                      <a16:colId xmlns:a16="http://schemas.microsoft.com/office/drawing/2014/main" xmlns="" val="20000"/>
+                      <a16:colId xmlns="" xmlns:a16="http://schemas.microsoft.com/office/drawing/2014/main" val="20000"/>
                     </a:ext>
                   </a:extLst>
                 </a:gridCol>
                 <a:gridCol w="1072275">
                   <a:extLst>
                     <a:ext uri="{9D8B030D-6E8A-4147-A177-3AD203B41FA5}">
-                      <a16:colId xmlns:a16="http://schemas.microsoft.com/office/drawing/2014/main" xmlns="" val="20001"/>
+                      <a16:colId xmlns="" xmlns:a16="http://schemas.microsoft.com/office/drawing/2014/main" val="20001"/>
                     </a:ext>
                   </a:extLst>
                 </a:gridCol>
                 <a:gridCol w="1197775">
                   <a:extLst>
                     <a:ext uri="{9D8B030D-6E8A-4147-A177-3AD203B41FA5}">
-                      <a16:colId xmlns:a16="http://schemas.microsoft.com/office/drawing/2014/main" xmlns="" val="20002"/>
+                      <a16:colId xmlns="" xmlns:a16="http://schemas.microsoft.com/office/drawing/2014/main" val="20002"/>
                     </a:ext>
                   </a:extLst>
                 </a:gridCol>
@@ -32092,7 +32237,7 @@
                 </a:tc>
                 <a:extLst>
                   <a:ext uri="{0D108BD9-81ED-4DB2-BD59-A6C34878D82A}">
-                    <a16:rowId xmlns:a16="http://schemas.microsoft.com/office/drawing/2014/main" xmlns="" val="10000"/>
+                    <a16:rowId xmlns="" xmlns:a16="http://schemas.microsoft.com/office/drawing/2014/main" val="10000"/>
                   </a:ext>
                 </a:extLst>
               </a:tr>
@@ -32189,7 +32334,7 @@
                 </a:tc>
                 <a:extLst>
                   <a:ext uri="{0D108BD9-81ED-4DB2-BD59-A6C34878D82A}">
-                    <a16:rowId xmlns:a16="http://schemas.microsoft.com/office/drawing/2014/main" xmlns="" val="10001"/>
+                    <a16:rowId xmlns="" xmlns:a16="http://schemas.microsoft.com/office/drawing/2014/main" val="10001"/>
                   </a:ext>
                 </a:extLst>
               </a:tr>
@@ -32266,7 +32411,7 @@
                 </a:tc>
                 <a:extLst>
                   <a:ext uri="{0D108BD9-81ED-4DB2-BD59-A6C34878D82A}">
-                    <a16:rowId xmlns:a16="http://schemas.microsoft.com/office/drawing/2014/main" xmlns="" val="10002"/>
+                    <a16:rowId xmlns="" xmlns:a16="http://schemas.microsoft.com/office/drawing/2014/main" val="10002"/>
                   </a:ext>
                 </a:extLst>
               </a:tr>
@@ -32343,7 +32488,7 @@
                 </a:tc>
                 <a:extLst>
                   <a:ext uri="{0D108BD9-81ED-4DB2-BD59-A6C34878D82A}">
-                    <a16:rowId xmlns:a16="http://schemas.microsoft.com/office/drawing/2014/main" xmlns="" val="10003"/>
+                    <a16:rowId xmlns="" xmlns:a16="http://schemas.microsoft.com/office/drawing/2014/main" val="10003"/>
                   </a:ext>
                 </a:extLst>
               </a:tr>
@@ -32420,7 +32565,7 @@
                 </a:tc>
                 <a:extLst>
                   <a:ext uri="{0D108BD9-81ED-4DB2-BD59-A6C34878D82A}">
-                    <a16:rowId xmlns:a16="http://schemas.microsoft.com/office/drawing/2014/main" xmlns="" val="10004"/>
+                    <a16:rowId xmlns="" xmlns:a16="http://schemas.microsoft.com/office/drawing/2014/main" val="10004"/>
                   </a:ext>
                 </a:extLst>
               </a:tr>
@@ -32497,7 +32642,7 @@
                 </a:tc>
                 <a:extLst>
                   <a:ext uri="{0D108BD9-81ED-4DB2-BD59-A6C34878D82A}">
-                    <a16:rowId xmlns:a16="http://schemas.microsoft.com/office/drawing/2014/main" xmlns="" val="10005"/>
+                    <a16:rowId xmlns="" xmlns:a16="http://schemas.microsoft.com/office/drawing/2014/main" val="10005"/>
                   </a:ext>
                 </a:extLst>
               </a:tr>
@@ -32574,7 +32719,7 @@
                 </a:tc>
                 <a:extLst>
                   <a:ext uri="{0D108BD9-81ED-4DB2-BD59-A6C34878D82A}">
-                    <a16:rowId xmlns:a16="http://schemas.microsoft.com/office/drawing/2014/main" xmlns="" val="10006"/>
+                    <a16:rowId xmlns="" xmlns:a16="http://schemas.microsoft.com/office/drawing/2014/main" val="10006"/>
                   </a:ext>
                 </a:extLst>
               </a:tr>
@@ -33020,6 +33165,13 @@
   <p:transition spd="slow">
     <p:fade/>
   </p:transition>
+  <p:timing>
+    <p:tnLst>
+      <p:par>
+        <p:cTn id="1" dur="indefinite" restart="never" nodeType="tmRoot"/>
+      </p:par>
+    </p:tnLst>
+  </p:timing>
 </p:sld>
 </file>
 
@@ -33289,63 +33441,63 @@
                 <a:gridCol w="640376">
                   <a:extLst>
                     <a:ext uri="{9D8B030D-6E8A-4147-A177-3AD203B41FA5}">
-                      <a16:colId xmlns:a16="http://schemas.microsoft.com/office/drawing/2014/main" xmlns="" val="20000"/>
+                      <a16:colId xmlns="" xmlns:a16="http://schemas.microsoft.com/office/drawing/2014/main" val="20000"/>
                     </a:ext>
                   </a:extLst>
                 </a:gridCol>
                 <a:gridCol w="1456936">
                   <a:extLst>
                     <a:ext uri="{9D8B030D-6E8A-4147-A177-3AD203B41FA5}">
-                      <a16:colId xmlns:a16="http://schemas.microsoft.com/office/drawing/2014/main" xmlns="" val="20001"/>
+                      <a16:colId xmlns="" xmlns:a16="http://schemas.microsoft.com/office/drawing/2014/main" val="20001"/>
                     </a:ext>
                   </a:extLst>
                 </a:gridCol>
                 <a:gridCol w="1043115">
                   <a:extLst>
                     <a:ext uri="{9D8B030D-6E8A-4147-A177-3AD203B41FA5}">
-                      <a16:colId xmlns:a16="http://schemas.microsoft.com/office/drawing/2014/main" xmlns="" val="20002"/>
+                      <a16:colId xmlns="" xmlns:a16="http://schemas.microsoft.com/office/drawing/2014/main" val="20002"/>
                     </a:ext>
                   </a:extLst>
                 </a:gridCol>
                 <a:gridCol w="1012248">
                   <a:extLst>
                     <a:ext uri="{9D8B030D-6E8A-4147-A177-3AD203B41FA5}">
-                      <a16:colId xmlns:a16="http://schemas.microsoft.com/office/drawing/2014/main" xmlns="" val="20003"/>
+                      <a16:colId xmlns="" xmlns:a16="http://schemas.microsoft.com/office/drawing/2014/main" val="20003"/>
                     </a:ext>
                   </a:extLst>
                 </a:gridCol>
                 <a:gridCol w="1344144">
                   <a:extLst>
                     <a:ext uri="{9D8B030D-6E8A-4147-A177-3AD203B41FA5}">
-                      <a16:colId xmlns:a16="http://schemas.microsoft.com/office/drawing/2014/main" xmlns="" val="20004"/>
+                      <a16:colId xmlns="" xmlns:a16="http://schemas.microsoft.com/office/drawing/2014/main" val="20004"/>
                     </a:ext>
                   </a:extLst>
                 </a:gridCol>
                 <a:gridCol w="846300">
                   <a:extLst>
                     <a:ext uri="{9D8B030D-6E8A-4147-A177-3AD203B41FA5}">
-                      <a16:colId xmlns:a16="http://schemas.microsoft.com/office/drawing/2014/main" xmlns="" val="20005"/>
+                      <a16:colId xmlns="" xmlns:a16="http://schemas.microsoft.com/office/drawing/2014/main" val="20005"/>
                     </a:ext>
                   </a:extLst>
                 </a:gridCol>
                 <a:gridCol w="730158">
                   <a:extLst>
                     <a:ext uri="{9D8B030D-6E8A-4147-A177-3AD203B41FA5}">
-                      <a16:colId xmlns:a16="http://schemas.microsoft.com/office/drawing/2014/main" xmlns="" val="20006"/>
+                      <a16:colId xmlns="" xmlns:a16="http://schemas.microsoft.com/office/drawing/2014/main" val="20006"/>
                     </a:ext>
                   </a:extLst>
                 </a:gridCol>
                 <a:gridCol w="945881">
                   <a:extLst>
                     <a:ext uri="{9D8B030D-6E8A-4147-A177-3AD203B41FA5}">
-                      <a16:colId xmlns:a16="http://schemas.microsoft.com/office/drawing/2014/main" xmlns="" val="20007"/>
+                      <a16:colId xmlns="" xmlns:a16="http://schemas.microsoft.com/office/drawing/2014/main" val="20007"/>
                     </a:ext>
                   </a:extLst>
                 </a:gridCol>
                 <a:gridCol w="979065">
                   <a:extLst>
                     <a:ext uri="{9D8B030D-6E8A-4147-A177-3AD203B41FA5}">
-                      <a16:colId xmlns:a16="http://schemas.microsoft.com/office/drawing/2014/main" xmlns="" val="20008"/>
+                      <a16:colId xmlns="" xmlns:a16="http://schemas.microsoft.com/office/drawing/2014/main" val="20008"/>
                     </a:ext>
                   </a:extLst>
                 </a:gridCol>
@@ -33495,7 +33647,7 @@
                 </a:tc>
                 <a:extLst>
                   <a:ext uri="{0D108BD9-81ED-4DB2-BD59-A6C34878D82A}">
-                    <a16:rowId xmlns:a16="http://schemas.microsoft.com/office/drawing/2014/main" xmlns="" val="10000"/>
+                    <a16:rowId xmlns="" xmlns:a16="http://schemas.microsoft.com/office/drawing/2014/main" val="10000"/>
                   </a:ext>
                 </a:extLst>
               </a:tr>
@@ -33874,7 +34026,7 @@
                 </a:tc>
                 <a:extLst>
                   <a:ext uri="{0D108BD9-81ED-4DB2-BD59-A6C34878D82A}">
-                    <a16:rowId xmlns:a16="http://schemas.microsoft.com/office/drawing/2014/main" xmlns="" val="10001"/>
+                    <a16:rowId xmlns="" xmlns:a16="http://schemas.microsoft.com/office/drawing/2014/main" val="10001"/>
                   </a:ext>
                 </a:extLst>
               </a:tr>
@@ -34206,7 +34358,7 @@
                 </a:tc>
                 <a:extLst>
                   <a:ext uri="{0D108BD9-81ED-4DB2-BD59-A6C34878D82A}">
-                    <a16:rowId xmlns:a16="http://schemas.microsoft.com/office/drawing/2014/main" xmlns="" val="10002"/>
+                    <a16:rowId xmlns="" xmlns:a16="http://schemas.microsoft.com/office/drawing/2014/main" val="10002"/>
                   </a:ext>
                 </a:extLst>
               </a:tr>
@@ -34726,7 +34878,7 @@
                 </a:tc>
                 <a:extLst>
                   <a:ext uri="{0D108BD9-81ED-4DB2-BD59-A6C34878D82A}">
-                    <a16:rowId xmlns:a16="http://schemas.microsoft.com/office/drawing/2014/main" xmlns="" val="10003"/>
+                    <a16:rowId xmlns="" xmlns:a16="http://schemas.microsoft.com/office/drawing/2014/main" val="10003"/>
                   </a:ext>
                 </a:extLst>
               </a:tr>
@@ -35200,7 +35352,7 @@
                 </a:tc>
                 <a:extLst>
                   <a:ext uri="{0D108BD9-81ED-4DB2-BD59-A6C34878D82A}">
-                    <a16:rowId xmlns:a16="http://schemas.microsoft.com/office/drawing/2014/main" xmlns="" val="10004"/>
+                    <a16:rowId xmlns="" xmlns:a16="http://schemas.microsoft.com/office/drawing/2014/main" val="10004"/>
                   </a:ext>
                 </a:extLst>
               </a:tr>
@@ -35674,7 +35826,7 @@
                 </a:tc>
                 <a:extLst>
                   <a:ext uri="{0D108BD9-81ED-4DB2-BD59-A6C34878D82A}">
-                    <a16:rowId xmlns:a16="http://schemas.microsoft.com/office/drawing/2014/main" xmlns="" val="10005"/>
+                    <a16:rowId xmlns="" xmlns:a16="http://schemas.microsoft.com/office/drawing/2014/main" val="10005"/>
                   </a:ext>
                 </a:extLst>
               </a:tr>
@@ -35818,7 +35970,7 @@
                 </a:tc>
                 <a:extLst>
                   <a:ext uri="{0D108BD9-81ED-4DB2-BD59-A6C34878D82A}">
-                    <a16:rowId xmlns:a16="http://schemas.microsoft.com/office/drawing/2014/main" xmlns="" val="10006"/>
+                    <a16:rowId xmlns="" xmlns:a16="http://schemas.microsoft.com/office/drawing/2014/main" val="10006"/>
                   </a:ext>
                 </a:extLst>
               </a:tr>
@@ -35834,6 +35986,13 @@
   <p:transition spd="slow">
     <p:fade/>
   </p:transition>
+  <p:timing>
+    <p:tnLst>
+      <p:par>
+        <p:cTn id="1" dur="indefinite" restart="never" nodeType="tmRoot"/>
+      </p:par>
+    </p:tnLst>
+  </p:timing>
 </p:sld>
 </file>
 
